--- a/really-simple-ml-net.pptx
+++ b/really-simple-ml-net.pptx
@@ -4,12 +4,16 @@
   <p:sldMasterIdLst>
     <p:sldMasterId id="2147483648" r:id="rId1"/>
   </p:sldMasterIdLst>
+  <p:notesMasterIdLst>
+    <p:notesMasterId r:id="rId8"/>
+  </p:notesMasterIdLst>
   <p:sldIdLst>
     <p:sldId id="256" r:id="rId2"/>
     <p:sldId id="260" r:id="rId3"/>
     <p:sldId id="257" r:id="rId4"/>
     <p:sldId id="258" r:id="rId5"/>
     <p:sldId id="259" r:id="rId6"/>
+    <p:sldId id="261" r:id="rId7"/>
   </p:sldIdLst>
   <p:sldSz cx="12192000" cy="6858000"/>
   <p:notesSz cx="6858000" cy="9144000"/>
@@ -116,6 +120,894 @@
 </p:presentation>
 </file>
 
+<file path=ppt/notesMasters/notesMaster1.xml><?xml version="1.0" encoding="utf-8"?>
+<p:notesMaster xmlns:a="http://schemas.openxmlformats.org/drawingml/2006/main" xmlns:r="http://schemas.openxmlformats.org/officeDocument/2006/relationships" xmlns:p="http://schemas.openxmlformats.org/presentationml/2006/main">
+  <p:cSld>
+    <p:bg>
+      <p:bgRef idx="1001">
+        <a:schemeClr val="bg1"/>
+      </p:bgRef>
+    </p:bg>
+    <p:spTree>
+      <p:nvGrpSpPr>
+        <p:cNvPr id="1" name=""/>
+        <p:cNvGrpSpPr/>
+        <p:nvPr/>
+      </p:nvGrpSpPr>
+      <p:grpSpPr>
+        <a:xfrm>
+          <a:off x="0" y="0"/>
+          <a:ext cx="0" cy="0"/>
+          <a:chOff x="0" y="0"/>
+          <a:chExt cx="0" cy="0"/>
+        </a:xfrm>
+      </p:grpSpPr>
+      <p:sp>
+        <p:nvSpPr>
+          <p:cNvPr id="2" name="Header Placeholder 1"/>
+          <p:cNvSpPr>
+            <a:spLocks noGrp="1"/>
+          </p:cNvSpPr>
+          <p:nvPr>
+            <p:ph type="hdr" sz="quarter"/>
+          </p:nvPr>
+        </p:nvSpPr>
+        <p:spPr>
+          <a:xfrm>
+            <a:off x="0" y="0"/>
+            <a:ext cx="2971800" cy="458788"/>
+          </a:xfrm>
+          <a:prstGeom prst="rect">
+            <a:avLst/>
+          </a:prstGeom>
+        </p:spPr>
+        <p:txBody>
+          <a:bodyPr vert="horz" lIns="91440" tIns="45720" rIns="91440" bIns="45720" rtlCol="0"/>
+          <a:lstStyle>
+            <a:lvl1pPr algn="l">
+              <a:defRPr sz="1200"/>
+            </a:lvl1pPr>
+          </a:lstStyle>
+          <a:p>
+            <a:endParaRPr lang="en-US"/>
+          </a:p>
+        </p:txBody>
+      </p:sp>
+      <p:sp>
+        <p:nvSpPr>
+          <p:cNvPr id="3" name="Date Placeholder 2"/>
+          <p:cNvSpPr>
+            <a:spLocks noGrp="1"/>
+          </p:cNvSpPr>
+          <p:nvPr>
+            <p:ph type="dt" idx="1"/>
+          </p:nvPr>
+        </p:nvSpPr>
+        <p:spPr>
+          <a:xfrm>
+            <a:off x="3884613" y="0"/>
+            <a:ext cx="2971800" cy="458788"/>
+          </a:xfrm>
+          <a:prstGeom prst="rect">
+            <a:avLst/>
+          </a:prstGeom>
+        </p:spPr>
+        <p:txBody>
+          <a:bodyPr vert="horz" lIns="91440" tIns="45720" rIns="91440" bIns="45720" rtlCol="0"/>
+          <a:lstStyle>
+            <a:lvl1pPr algn="r">
+              <a:defRPr sz="1200"/>
+            </a:lvl1pPr>
+          </a:lstStyle>
+          <a:p>
+            <a:fld id="{4B6A4A07-C180-4E5A-B172-79308A58FD04}" type="datetimeFigureOut">
+              <a:rPr lang="en-US" smtClean="0"/>
+              <a:t>6/13/2020</a:t>
+            </a:fld>
+            <a:endParaRPr lang="en-US"/>
+          </a:p>
+        </p:txBody>
+      </p:sp>
+      <p:sp>
+        <p:nvSpPr>
+          <p:cNvPr id="4" name="Slide Image Placeholder 3"/>
+          <p:cNvSpPr>
+            <a:spLocks noGrp="1" noRot="1" noChangeAspect="1"/>
+          </p:cNvSpPr>
+          <p:nvPr>
+            <p:ph type="sldImg" idx="2"/>
+          </p:nvPr>
+        </p:nvSpPr>
+        <p:spPr>
+          <a:xfrm>
+            <a:off x="685800" y="1143000"/>
+            <a:ext cx="5486400" cy="3086100"/>
+          </a:xfrm>
+          <a:prstGeom prst="rect">
+            <a:avLst/>
+          </a:prstGeom>
+          <a:noFill/>
+          <a:ln w="12700">
+            <a:solidFill>
+              <a:prstClr val="black"/>
+            </a:solidFill>
+          </a:ln>
+        </p:spPr>
+        <p:txBody>
+          <a:bodyPr vert="horz" lIns="91440" tIns="45720" rIns="91440" bIns="45720" rtlCol="0" anchor="ctr"/>
+          <a:lstStyle/>
+          <a:p>
+            <a:endParaRPr lang="en-US"/>
+          </a:p>
+        </p:txBody>
+      </p:sp>
+      <p:sp>
+        <p:nvSpPr>
+          <p:cNvPr id="5" name="Notes Placeholder 4"/>
+          <p:cNvSpPr>
+            <a:spLocks noGrp="1"/>
+          </p:cNvSpPr>
+          <p:nvPr>
+            <p:ph type="body" sz="quarter" idx="3"/>
+          </p:nvPr>
+        </p:nvSpPr>
+        <p:spPr>
+          <a:xfrm>
+            <a:off x="685800" y="4400550"/>
+            <a:ext cx="5486400" cy="3600450"/>
+          </a:xfrm>
+          <a:prstGeom prst="rect">
+            <a:avLst/>
+          </a:prstGeom>
+        </p:spPr>
+        <p:txBody>
+          <a:bodyPr vert="horz" lIns="91440" tIns="45720" rIns="91440" bIns="45720" rtlCol="0"/>
+          <a:lstStyle/>
+          <a:p>
+            <a:pPr lvl="0"/>
+            <a:r>
+              <a:rPr lang="en-US"/>
+              <a:t>Click to edit Master text styles</a:t>
+            </a:r>
+          </a:p>
+          <a:p>
+            <a:pPr lvl="1"/>
+            <a:r>
+              <a:rPr lang="en-US"/>
+              <a:t>Second level</a:t>
+            </a:r>
+          </a:p>
+          <a:p>
+            <a:pPr lvl="2"/>
+            <a:r>
+              <a:rPr lang="en-US"/>
+              <a:t>Third level</a:t>
+            </a:r>
+          </a:p>
+          <a:p>
+            <a:pPr lvl="3"/>
+            <a:r>
+              <a:rPr lang="en-US"/>
+              <a:t>Fourth level</a:t>
+            </a:r>
+          </a:p>
+          <a:p>
+            <a:pPr lvl="4"/>
+            <a:r>
+              <a:rPr lang="en-US"/>
+              <a:t>Fifth level</a:t>
+            </a:r>
+          </a:p>
+        </p:txBody>
+      </p:sp>
+      <p:sp>
+        <p:nvSpPr>
+          <p:cNvPr id="6" name="Footer Placeholder 5"/>
+          <p:cNvSpPr>
+            <a:spLocks noGrp="1"/>
+          </p:cNvSpPr>
+          <p:nvPr>
+            <p:ph type="ftr" sz="quarter" idx="4"/>
+          </p:nvPr>
+        </p:nvSpPr>
+        <p:spPr>
+          <a:xfrm>
+            <a:off x="0" y="8685213"/>
+            <a:ext cx="2971800" cy="458787"/>
+          </a:xfrm>
+          <a:prstGeom prst="rect">
+            <a:avLst/>
+          </a:prstGeom>
+        </p:spPr>
+        <p:txBody>
+          <a:bodyPr vert="horz" lIns="91440" tIns="45720" rIns="91440" bIns="45720" rtlCol="0" anchor="b"/>
+          <a:lstStyle>
+            <a:lvl1pPr algn="l">
+              <a:defRPr sz="1200"/>
+            </a:lvl1pPr>
+          </a:lstStyle>
+          <a:p>
+            <a:endParaRPr lang="en-US"/>
+          </a:p>
+        </p:txBody>
+      </p:sp>
+      <p:sp>
+        <p:nvSpPr>
+          <p:cNvPr id="7" name="Slide Number Placeholder 6"/>
+          <p:cNvSpPr>
+            <a:spLocks noGrp="1"/>
+          </p:cNvSpPr>
+          <p:nvPr>
+            <p:ph type="sldNum" sz="quarter" idx="5"/>
+          </p:nvPr>
+        </p:nvSpPr>
+        <p:spPr>
+          <a:xfrm>
+            <a:off x="3884613" y="8685213"/>
+            <a:ext cx="2971800" cy="458787"/>
+          </a:xfrm>
+          <a:prstGeom prst="rect">
+            <a:avLst/>
+          </a:prstGeom>
+        </p:spPr>
+        <p:txBody>
+          <a:bodyPr vert="horz" lIns="91440" tIns="45720" rIns="91440" bIns="45720" rtlCol="0" anchor="b"/>
+          <a:lstStyle>
+            <a:lvl1pPr algn="r">
+              <a:defRPr sz="1200"/>
+            </a:lvl1pPr>
+          </a:lstStyle>
+          <a:p>
+            <a:fld id="{94B125EF-FAA7-4CAC-93C1-0FA6D1B400EA}" type="slidenum">
+              <a:rPr lang="en-US" smtClean="0"/>
+              <a:t>‹#›</a:t>
+            </a:fld>
+            <a:endParaRPr lang="en-US"/>
+          </a:p>
+        </p:txBody>
+      </p:sp>
+    </p:spTree>
+    <p:extLst>
+      <p:ext uri="{BB962C8B-B14F-4D97-AF65-F5344CB8AC3E}">
+        <p14:creationId xmlns:p14="http://schemas.microsoft.com/office/powerpoint/2010/main" val="1819946376"/>
+      </p:ext>
+    </p:extLst>
+  </p:cSld>
+  <p:clrMap bg1="lt1" tx1="dk1" bg2="lt2" tx2="dk2" accent1="accent1" accent2="accent2" accent3="accent3" accent4="accent4" accent5="accent5" accent6="accent6" hlink="hlink" folHlink="folHlink"/>
+  <p:notesStyle>
+    <a:lvl1pPr marL="0" algn="l" defTabSz="914400" rtl="0" eaLnBrk="1" latinLnBrk="0" hangingPunct="1">
+      <a:defRPr sz="1200" kern="1200">
+        <a:solidFill>
+          <a:schemeClr val="tx1"/>
+        </a:solidFill>
+        <a:latin typeface="+mn-lt"/>
+        <a:ea typeface="+mn-ea"/>
+        <a:cs typeface="+mn-cs"/>
+      </a:defRPr>
+    </a:lvl1pPr>
+    <a:lvl2pPr marL="457200" algn="l" defTabSz="914400" rtl="0" eaLnBrk="1" latinLnBrk="0" hangingPunct="1">
+      <a:defRPr sz="1200" kern="1200">
+        <a:solidFill>
+          <a:schemeClr val="tx1"/>
+        </a:solidFill>
+        <a:latin typeface="+mn-lt"/>
+        <a:ea typeface="+mn-ea"/>
+        <a:cs typeface="+mn-cs"/>
+      </a:defRPr>
+    </a:lvl2pPr>
+    <a:lvl3pPr marL="914400" algn="l" defTabSz="914400" rtl="0" eaLnBrk="1" latinLnBrk="0" hangingPunct="1">
+      <a:defRPr sz="1200" kern="1200">
+        <a:solidFill>
+          <a:schemeClr val="tx1"/>
+        </a:solidFill>
+        <a:latin typeface="+mn-lt"/>
+        <a:ea typeface="+mn-ea"/>
+        <a:cs typeface="+mn-cs"/>
+      </a:defRPr>
+    </a:lvl3pPr>
+    <a:lvl4pPr marL="1371600" algn="l" defTabSz="914400" rtl="0" eaLnBrk="1" latinLnBrk="0" hangingPunct="1">
+      <a:defRPr sz="1200" kern="1200">
+        <a:solidFill>
+          <a:schemeClr val="tx1"/>
+        </a:solidFill>
+        <a:latin typeface="+mn-lt"/>
+        <a:ea typeface="+mn-ea"/>
+        <a:cs typeface="+mn-cs"/>
+      </a:defRPr>
+    </a:lvl4pPr>
+    <a:lvl5pPr marL="1828800" algn="l" defTabSz="914400" rtl="0" eaLnBrk="1" latinLnBrk="0" hangingPunct="1">
+      <a:defRPr sz="1200" kern="1200">
+        <a:solidFill>
+          <a:schemeClr val="tx1"/>
+        </a:solidFill>
+        <a:latin typeface="+mn-lt"/>
+        <a:ea typeface="+mn-ea"/>
+        <a:cs typeface="+mn-cs"/>
+      </a:defRPr>
+    </a:lvl5pPr>
+    <a:lvl6pPr marL="2286000" algn="l" defTabSz="914400" rtl="0" eaLnBrk="1" latinLnBrk="0" hangingPunct="1">
+      <a:defRPr sz="1200" kern="1200">
+        <a:solidFill>
+          <a:schemeClr val="tx1"/>
+        </a:solidFill>
+        <a:latin typeface="+mn-lt"/>
+        <a:ea typeface="+mn-ea"/>
+        <a:cs typeface="+mn-cs"/>
+      </a:defRPr>
+    </a:lvl6pPr>
+    <a:lvl7pPr marL="2743200" algn="l" defTabSz="914400" rtl="0" eaLnBrk="1" latinLnBrk="0" hangingPunct="1">
+      <a:defRPr sz="1200" kern="1200">
+        <a:solidFill>
+          <a:schemeClr val="tx1"/>
+        </a:solidFill>
+        <a:latin typeface="+mn-lt"/>
+        <a:ea typeface="+mn-ea"/>
+        <a:cs typeface="+mn-cs"/>
+      </a:defRPr>
+    </a:lvl7pPr>
+    <a:lvl8pPr marL="3200400" algn="l" defTabSz="914400" rtl="0" eaLnBrk="1" latinLnBrk="0" hangingPunct="1">
+      <a:defRPr sz="1200" kern="1200">
+        <a:solidFill>
+          <a:schemeClr val="tx1"/>
+        </a:solidFill>
+        <a:latin typeface="+mn-lt"/>
+        <a:ea typeface="+mn-ea"/>
+        <a:cs typeface="+mn-cs"/>
+      </a:defRPr>
+    </a:lvl8pPr>
+    <a:lvl9pPr marL="3657600" algn="l" defTabSz="914400" rtl="0" eaLnBrk="1" latinLnBrk="0" hangingPunct="1">
+      <a:defRPr sz="1200" kern="1200">
+        <a:solidFill>
+          <a:schemeClr val="tx1"/>
+        </a:solidFill>
+        <a:latin typeface="+mn-lt"/>
+        <a:ea typeface="+mn-ea"/>
+        <a:cs typeface="+mn-cs"/>
+      </a:defRPr>
+    </a:lvl9pPr>
+  </p:notesStyle>
+</p:notesMaster>
+</file>
+
+<file path=ppt/notesSlides/notesSlide1.xml><?xml version="1.0" encoding="utf-8"?>
+<p:notes xmlns:a="http://schemas.openxmlformats.org/drawingml/2006/main" xmlns:r="http://schemas.openxmlformats.org/officeDocument/2006/relationships" xmlns:p="http://schemas.openxmlformats.org/presentationml/2006/main">
+  <p:cSld>
+    <p:spTree>
+      <p:nvGrpSpPr>
+        <p:cNvPr id="1" name=""/>
+        <p:cNvGrpSpPr/>
+        <p:nvPr/>
+      </p:nvGrpSpPr>
+      <p:grpSpPr>
+        <a:xfrm>
+          <a:off x="0" y="0"/>
+          <a:ext cx="0" cy="0"/>
+          <a:chOff x="0" y="0"/>
+          <a:chExt cx="0" cy="0"/>
+        </a:xfrm>
+      </p:grpSpPr>
+      <p:sp>
+        <p:nvSpPr>
+          <p:cNvPr id="2" name="Slide Image Placeholder 1"/>
+          <p:cNvSpPr>
+            <a:spLocks noGrp="1" noRot="1" noChangeAspect="1"/>
+          </p:cNvSpPr>
+          <p:nvPr>
+            <p:ph type="sldImg"/>
+          </p:nvPr>
+        </p:nvSpPr>
+        <p:spPr/>
+      </p:sp>
+      <p:sp>
+        <p:nvSpPr>
+          <p:cNvPr id="3" name="Notes Placeholder 2"/>
+          <p:cNvSpPr>
+            <a:spLocks noGrp="1"/>
+          </p:cNvSpPr>
+          <p:nvPr>
+            <p:ph type="body" idx="1"/>
+          </p:nvPr>
+        </p:nvSpPr>
+        <p:spPr/>
+        <p:txBody>
+          <a:bodyPr/>
+          <a:lstStyle/>
+          <a:p>
+            <a:r>
+              <a:rPr lang="en-US" dirty="0"/>
+              <a:t>Hello, Introduction</a:t>
+            </a:r>
+          </a:p>
+        </p:txBody>
+      </p:sp>
+      <p:sp>
+        <p:nvSpPr>
+          <p:cNvPr id="4" name="Slide Number Placeholder 3"/>
+          <p:cNvSpPr>
+            <a:spLocks noGrp="1"/>
+          </p:cNvSpPr>
+          <p:nvPr>
+            <p:ph type="sldNum" sz="quarter" idx="5"/>
+          </p:nvPr>
+        </p:nvSpPr>
+        <p:spPr/>
+        <p:txBody>
+          <a:bodyPr/>
+          <a:lstStyle/>
+          <a:p>
+            <a:fld id="{94B125EF-FAA7-4CAC-93C1-0FA6D1B400EA}" type="slidenum">
+              <a:rPr lang="en-US" smtClean="0"/>
+              <a:t>1</a:t>
+            </a:fld>
+            <a:endParaRPr lang="en-US"/>
+          </a:p>
+        </p:txBody>
+      </p:sp>
+    </p:spTree>
+    <p:extLst>
+      <p:ext uri="{BB962C8B-B14F-4D97-AF65-F5344CB8AC3E}">
+        <p14:creationId xmlns:p14="http://schemas.microsoft.com/office/powerpoint/2010/main" val="1559106890"/>
+      </p:ext>
+    </p:extLst>
+  </p:cSld>
+  <p:clrMapOvr>
+    <a:masterClrMapping/>
+  </p:clrMapOvr>
+</p:notes>
+</file>
+
+<file path=ppt/notesSlides/notesSlide2.xml><?xml version="1.0" encoding="utf-8"?>
+<p:notes xmlns:a="http://schemas.openxmlformats.org/drawingml/2006/main" xmlns:r="http://schemas.openxmlformats.org/officeDocument/2006/relationships" xmlns:p="http://schemas.openxmlformats.org/presentationml/2006/main">
+  <p:cSld>
+    <p:spTree>
+      <p:nvGrpSpPr>
+        <p:cNvPr id="1" name=""/>
+        <p:cNvGrpSpPr/>
+        <p:nvPr/>
+      </p:nvGrpSpPr>
+      <p:grpSpPr>
+        <a:xfrm>
+          <a:off x="0" y="0"/>
+          <a:ext cx="0" cy="0"/>
+          <a:chOff x="0" y="0"/>
+          <a:chExt cx="0" cy="0"/>
+        </a:xfrm>
+      </p:grpSpPr>
+      <p:sp>
+        <p:nvSpPr>
+          <p:cNvPr id="2" name="Slide Image Placeholder 1"/>
+          <p:cNvSpPr>
+            <a:spLocks noGrp="1" noRot="1" noChangeAspect="1"/>
+          </p:cNvSpPr>
+          <p:nvPr>
+            <p:ph type="sldImg"/>
+          </p:nvPr>
+        </p:nvSpPr>
+        <p:spPr/>
+      </p:sp>
+      <p:sp>
+        <p:nvSpPr>
+          <p:cNvPr id="3" name="Notes Placeholder 2"/>
+          <p:cNvSpPr>
+            <a:spLocks noGrp="1"/>
+          </p:cNvSpPr>
+          <p:nvPr>
+            <p:ph type="body" idx="1"/>
+          </p:nvPr>
+        </p:nvSpPr>
+        <p:spPr/>
+        <p:txBody>
+          <a:bodyPr/>
+          <a:lstStyle/>
+          <a:p>
+            <a:r>
+              <a:rPr lang="en-US" dirty="0"/>
+              <a:t>If you want to do the follow-along section</a:t>
+            </a:r>
+          </a:p>
+        </p:txBody>
+      </p:sp>
+      <p:sp>
+        <p:nvSpPr>
+          <p:cNvPr id="4" name="Slide Number Placeholder 3"/>
+          <p:cNvSpPr>
+            <a:spLocks noGrp="1"/>
+          </p:cNvSpPr>
+          <p:nvPr>
+            <p:ph type="sldNum" sz="quarter" idx="5"/>
+          </p:nvPr>
+        </p:nvSpPr>
+        <p:spPr/>
+        <p:txBody>
+          <a:bodyPr/>
+          <a:lstStyle/>
+          <a:p>
+            <a:fld id="{94B125EF-FAA7-4CAC-93C1-0FA6D1B400EA}" type="slidenum">
+              <a:rPr lang="en-US" smtClean="0"/>
+              <a:t>2</a:t>
+            </a:fld>
+            <a:endParaRPr lang="en-US"/>
+          </a:p>
+        </p:txBody>
+      </p:sp>
+    </p:spTree>
+    <p:extLst>
+      <p:ext uri="{BB962C8B-B14F-4D97-AF65-F5344CB8AC3E}">
+        <p14:creationId xmlns:p14="http://schemas.microsoft.com/office/powerpoint/2010/main" val="847660109"/>
+      </p:ext>
+    </p:extLst>
+  </p:cSld>
+  <p:clrMapOvr>
+    <a:masterClrMapping/>
+  </p:clrMapOvr>
+</p:notes>
+</file>
+
+<file path=ppt/notesSlides/notesSlide3.xml><?xml version="1.0" encoding="utf-8"?>
+<p:notes xmlns:a="http://schemas.openxmlformats.org/drawingml/2006/main" xmlns:r="http://schemas.openxmlformats.org/officeDocument/2006/relationships" xmlns:p="http://schemas.openxmlformats.org/presentationml/2006/main">
+  <p:cSld>
+    <p:spTree>
+      <p:nvGrpSpPr>
+        <p:cNvPr id="1" name=""/>
+        <p:cNvGrpSpPr/>
+        <p:nvPr/>
+      </p:nvGrpSpPr>
+      <p:grpSpPr>
+        <a:xfrm>
+          <a:off x="0" y="0"/>
+          <a:ext cx="0" cy="0"/>
+          <a:chOff x="0" y="0"/>
+          <a:chExt cx="0" cy="0"/>
+        </a:xfrm>
+      </p:grpSpPr>
+      <p:sp>
+        <p:nvSpPr>
+          <p:cNvPr id="2" name="Slide Image Placeholder 1"/>
+          <p:cNvSpPr>
+            <a:spLocks noGrp="1" noRot="1" noChangeAspect="1"/>
+          </p:cNvSpPr>
+          <p:nvPr>
+            <p:ph type="sldImg"/>
+          </p:nvPr>
+        </p:nvSpPr>
+        <p:spPr/>
+      </p:sp>
+      <p:sp>
+        <p:nvSpPr>
+          <p:cNvPr id="3" name="Notes Placeholder 2"/>
+          <p:cNvSpPr>
+            <a:spLocks noGrp="1"/>
+          </p:cNvSpPr>
+          <p:nvPr>
+            <p:ph type="body" idx="1"/>
+          </p:nvPr>
+        </p:nvSpPr>
+        <p:spPr/>
+        <p:txBody>
+          <a:bodyPr/>
+          <a:lstStyle/>
+          <a:p>
+            <a:r>
+              <a:rPr lang="en-US" dirty="0"/>
+              <a:t>Free, no costs no money to use.</a:t>
+            </a:r>
+          </a:p>
+          <a:p>
+            <a:r>
+              <a:rPr lang="en-US" dirty="0"/>
+              <a:t>Open Source </a:t>
+            </a:r>
+            <a:r>
+              <a:rPr lang="en-US" dirty="0">
+                <a:hlinkClick r:id="rId3"/>
+              </a:rPr>
+              <a:t>https://github.com/dotnet/machinelearning</a:t>
+            </a:r>
+            <a:endParaRPr lang="en-US" dirty="0"/>
+          </a:p>
+          <a:p>
+            <a:r>
+              <a:rPr lang="en-US" dirty="0"/>
+              <a:t>.NET, both core and framework</a:t>
+            </a:r>
+          </a:p>
+          <a:p>
+            <a:endParaRPr lang="en-US" dirty="0"/>
+          </a:p>
+          <a:p>
+            <a:r>
+              <a:rPr lang="en-US" dirty="0"/>
+              <a:t>You can train and consume</a:t>
+            </a:r>
+          </a:p>
+          <a:p>
+            <a:endParaRPr lang="en-US" dirty="0"/>
+          </a:p>
+          <a:p>
+            <a:r>
+              <a:rPr lang="en-US" dirty="0"/>
+              <a:t>Multiple programming languages, CLI, a really good </a:t>
+            </a:r>
+            <a:r>
+              <a:rPr lang="en-US" dirty="0" err="1"/>
+              <a:t>AutoML</a:t>
+            </a:r>
+            <a:endParaRPr lang="en-US" dirty="0"/>
+          </a:p>
+        </p:txBody>
+      </p:sp>
+      <p:sp>
+        <p:nvSpPr>
+          <p:cNvPr id="4" name="Slide Number Placeholder 3"/>
+          <p:cNvSpPr>
+            <a:spLocks noGrp="1"/>
+          </p:cNvSpPr>
+          <p:nvPr>
+            <p:ph type="sldNum" sz="quarter" idx="5"/>
+          </p:nvPr>
+        </p:nvSpPr>
+        <p:spPr/>
+        <p:txBody>
+          <a:bodyPr/>
+          <a:lstStyle/>
+          <a:p>
+            <a:fld id="{94B125EF-FAA7-4CAC-93C1-0FA6D1B400EA}" type="slidenum">
+              <a:rPr lang="en-US" smtClean="0"/>
+              <a:t>3</a:t>
+            </a:fld>
+            <a:endParaRPr lang="en-US"/>
+          </a:p>
+        </p:txBody>
+      </p:sp>
+    </p:spTree>
+    <p:extLst>
+      <p:ext uri="{BB962C8B-B14F-4D97-AF65-F5344CB8AC3E}">
+        <p14:creationId xmlns:p14="http://schemas.microsoft.com/office/powerpoint/2010/main" val="1354629909"/>
+      </p:ext>
+    </p:extLst>
+  </p:cSld>
+  <p:clrMapOvr>
+    <a:masterClrMapping/>
+  </p:clrMapOvr>
+</p:notes>
+</file>
+
+<file path=ppt/notesSlides/notesSlide4.xml><?xml version="1.0" encoding="utf-8"?>
+<p:notes xmlns:a="http://schemas.openxmlformats.org/drawingml/2006/main" xmlns:r="http://schemas.openxmlformats.org/officeDocument/2006/relationships" xmlns:p="http://schemas.openxmlformats.org/presentationml/2006/main">
+  <p:cSld>
+    <p:spTree>
+      <p:nvGrpSpPr>
+        <p:cNvPr id="1" name=""/>
+        <p:cNvGrpSpPr/>
+        <p:nvPr/>
+      </p:nvGrpSpPr>
+      <p:grpSpPr>
+        <a:xfrm>
+          <a:off x="0" y="0"/>
+          <a:ext cx="0" cy="0"/>
+          <a:chOff x="0" y="0"/>
+          <a:chExt cx="0" cy="0"/>
+        </a:xfrm>
+      </p:grpSpPr>
+      <p:sp>
+        <p:nvSpPr>
+          <p:cNvPr id="2" name="Slide Image Placeholder 1"/>
+          <p:cNvSpPr>
+            <a:spLocks noGrp="1" noRot="1" noChangeAspect="1"/>
+          </p:cNvSpPr>
+          <p:nvPr>
+            <p:ph type="sldImg"/>
+          </p:nvPr>
+        </p:nvSpPr>
+        <p:spPr/>
+      </p:sp>
+      <p:sp>
+        <p:nvSpPr>
+          <p:cNvPr id="3" name="Notes Placeholder 2"/>
+          <p:cNvSpPr>
+            <a:spLocks noGrp="1"/>
+          </p:cNvSpPr>
+          <p:nvPr>
+            <p:ph type="body" idx="1"/>
+          </p:nvPr>
+        </p:nvSpPr>
+        <p:spPr/>
+        <p:txBody>
+          <a:bodyPr/>
+          <a:lstStyle/>
+          <a:p>
+            <a:r>
+              <a:rPr lang="en-US" sz="1200" b="0" i="0" kern="1200" dirty="0">
+                <a:solidFill>
+                  <a:schemeClr val="tx1"/>
+                </a:solidFill>
+                <a:effectLst/>
+                <a:latin typeface="+mn-lt"/>
+                <a:ea typeface="+mn-ea"/>
+                <a:cs typeface="+mn-cs"/>
+              </a:rPr>
+              <a:t>Using a 9GB Amazon review data set, ML.NET trained a sentiment analysis model with 95% accuracy</a:t>
+            </a:r>
+          </a:p>
+          <a:p>
+            <a:endParaRPr lang="en-US" sz="1200" b="0" i="0" kern="1200" dirty="0">
+              <a:solidFill>
+                <a:schemeClr val="tx1"/>
+              </a:solidFill>
+              <a:effectLst/>
+              <a:latin typeface="+mn-lt"/>
+              <a:ea typeface="+mn-ea"/>
+              <a:cs typeface="+mn-cs"/>
+            </a:endParaRPr>
+          </a:p>
+          <a:p>
+            <a:r>
+              <a:rPr lang="en-US" sz="1200" b="0" i="0" kern="1200" dirty="0">
+                <a:solidFill>
+                  <a:schemeClr val="tx1"/>
+                </a:solidFill>
+                <a:effectLst/>
+                <a:latin typeface="+mn-lt"/>
+                <a:ea typeface="+mn-ea"/>
+                <a:cs typeface="+mn-cs"/>
+              </a:rPr>
+              <a:t>Paper from a bunch of people over at MS Artificial Intelligence Platform team</a:t>
+            </a:r>
+          </a:p>
+          <a:p>
+            <a:r>
+              <a:rPr lang="en-US" dirty="0">
+                <a:hlinkClick r:id="rId3"/>
+              </a:rPr>
+              <a:t>https://arxiv.org/pdf/1905.05715.pdf</a:t>
+            </a:r>
+            <a:endParaRPr lang="en-US" dirty="0"/>
+          </a:p>
+        </p:txBody>
+      </p:sp>
+      <p:sp>
+        <p:nvSpPr>
+          <p:cNvPr id="4" name="Slide Number Placeholder 3"/>
+          <p:cNvSpPr>
+            <a:spLocks noGrp="1"/>
+          </p:cNvSpPr>
+          <p:nvPr>
+            <p:ph type="sldNum" sz="quarter" idx="5"/>
+          </p:nvPr>
+        </p:nvSpPr>
+        <p:spPr/>
+        <p:txBody>
+          <a:bodyPr/>
+          <a:lstStyle/>
+          <a:p>
+            <a:fld id="{94B125EF-FAA7-4CAC-93C1-0FA6D1B400EA}" type="slidenum">
+              <a:rPr lang="en-US" smtClean="0"/>
+              <a:t>5</a:t>
+            </a:fld>
+            <a:endParaRPr lang="en-US"/>
+          </a:p>
+        </p:txBody>
+      </p:sp>
+    </p:spTree>
+    <p:extLst>
+      <p:ext uri="{BB962C8B-B14F-4D97-AF65-F5344CB8AC3E}">
+        <p14:creationId xmlns:p14="http://schemas.microsoft.com/office/powerpoint/2010/main" val="3988066951"/>
+      </p:ext>
+    </p:extLst>
+  </p:cSld>
+  <p:clrMapOvr>
+    <a:masterClrMapping/>
+  </p:clrMapOvr>
+</p:notes>
+</file>
+
+<file path=ppt/notesSlides/notesSlide5.xml><?xml version="1.0" encoding="utf-8"?>
+<p:notes xmlns:a="http://schemas.openxmlformats.org/drawingml/2006/main" xmlns:r="http://schemas.openxmlformats.org/officeDocument/2006/relationships" xmlns:p="http://schemas.openxmlformats.org/presentationml/2006/main">
+  <p:cSld>
+    <p:spTree>
+      <p:nvGrpSpPr>
+        <p:cNvPr id="1" name=""/>
+        <p:cNvGrpSpPr/>
+        <p:nvPr/>
+      </p:nvGrpSpPr>
+      <p:grpSpPr>
+        <a:xfrm>
+          <a:off x="0" y="0"/>
+          <a:ext cx="0" cy="0"/>
+          <a:chOff x="0" y="0"/>
+          <a:chExt cx="0" cy="0"/>
+        </a:xfrm>
+      </p:grpSpPr>
+      <p:sp>
+        <p:nvSpPr>
+          <p:cNvPr id="2" name="Slide Image Placeholder 1"/>
+          <p:cNvSpPr>
+            <a:spLocks noGrp="1" noRot="1" noChangeAspect="1"/>
+          </p:cNvSpPr>
+          <p:nvPr>
+            <p:ph type="sldImg"/>
+          </p:nvPr>
+        </p:nvSpPr>
+        <p:spPr/>
+      </p:sp>
+      <p:sp>
+        <p:nvSpPr>
+          <p:cNvPr id="3" name="Notes Placeholder 2"/>
+          <p:cNvSpPr>
+            <a:spLocks noGrp="1"/>
+          </p:cNvSpPr>
+          <p:nvPr>
+            <p:ph type="body" idx="1"/>
+          </p:nvPr>
+        </p:nvSpPr>
+        <p:spPr/>
+        <p:txBody>
+          <a:bodyPr/>
+          <a:lstStyle/>
+          <a:p>
+            <a:r>
+              <a:rPr lang="en-US" dirty="0">
+                <a:hlinkClick r:id="rId3"/>
+              </a:rPr>
+              <a:t>https://github.com/edirgarcia/ml_net_lab</a:t>
+            </a:r>
+            <a:endParaRPr lang="en-US" dirty="0"/>
+          </a:p>
+          <a:p>
+            <a:endParaRPr lang="en-US" dirty="0"/>
+          </a:p>
+          <a:p>
+            <a:r>
+              <a:rPr lang="en-US" dirty="0"/>
+              <a:t>Why on </a:t>
+            </a:r>
+            <a:r>
+              <a:rPr lang="en-US" dirty="0" err="1"/>
+              <a:t>github</a:t>
+            </a:r>
+            <a:r>
+              <a:rPr lang="en-US" dirty="0"/>
+              <a:t>?</a:t>
+            </a:r>
+          </a:p>
+        </p:txBody>
+      </p:sp>
+      <p:sp>
+        <p:nvSpPr>
+          <p:cNvPr id="4" name="Slide Number Placeholder 3"/>
+          <p:cNvSpPr>
+            <a:spLocks noGrp="1"/>
+          </p:cNvSpPr>
+          <p:nvPr>
+            <p:ph type="sldNum" sz="quarter" idx="5"/>
+          </p:nvPr>
+        </p:nvSpPr>
+        <p:spPr/>
+        <p:txBody>
+          <a:bodyPr/>
+          <a:lstStyle/>
+          <a:p>
+            <a:fld id="{94B125EF-FAA7-4CAC-93C1-0FA6D1B400EA}" type="slidenum">
+              <a:rPr lang="en-US" smtClean="0"/>
+              <a:t>6</a:t>
+            </a:fld>
+            <a:endParaRPr lang="en-US"/>
+          </a:p>
+        </p:txBody>
+      </p:sp>
+    </p:spTree>
+    <p:extLst>
+      <p:ext uri="{BB962C8B-B14F-4D97-AF65-F5344CB8AC3E}">
+        <p14:creationId xmlns:p14="http://schemas.microsoft.com/office/powerpoint/2010/main" val="864891872"/>
+      </p:ext>
+    </p:extLst>
+  </p:cSld>
+  <p:clrMapOvr>
+    <a:masterClrMapping/>
+  </p:clrMapOvr>
+</p:notes>
+</file>
+
 <file path=ppt/slideLayouts/slideLayout1.xml><?xml version="1.0" encoding="utf-8"?>
 <p:sldLayout xmlns:a="http://schemas.openxmlformats.org/drawingml/2006/main" xmlns:r="http://schemas.openxmlformats.org/officeDocument/2006/relationships" xmlns:p="http://schemas.openxmlformats.org/presentationml/2006/main" type="title" preserve="1">
   <p:cSld name="Title Slide">
@@ -263,7 +1155,7 @@
           <a:p>
             <a:fld id="{DFE30287-765A-4AB0-BB96-53FA911AEAD1}" type="datetimeFigureOut">
               <a:rPr lang="en-US" smtClean="0"/>
-              <a:t>6/4/2020</a:t>
+              <a:t>6/13/2020</a:t>
             </a:fld>
             <a:endParaRPr lang="en-US"/>
           </a:p>
@@ -461,7 +1353,7 @@
           <a:p>
             <a:fld id="{DFE30287-765A-4AB0-BB96-53FA911AEAD1}" type="datetimeFigureOut">
               <a:rPr lang="en-US" smtClean="0"/>
-              <a:t>6/4/2020</a:t>
+              <a:t>6/13/2020</a:t>
             </a:fld>
             <a:endParaRPr lang="en-US"/>
           </a:p>
@@ -669,7 +1561,7 @@
           <a:p>
             <a:fld id="{DFE30287-765A-4AB0-BB96-53FA911AEAD1}" type="datetimeFigureOut">
               <a:rPr lang="en-US" smtClean="0"/>
-              <a:t>6/4/2020</a:t>
+              <a:t>6/13/2020</a:t>
             </a:fld>
             <a:endParaRPr lang="en-US"/>
           </a:p>
@@ -867,7 +1759,7 @@
           <a:p>
             <a:fld id="{DFE30287-765A-4AB0-BB96-53FA911AEAD1}" type="datetimeFigureOut">
               <a:rPr lang="en-US" smtClean="0"/>
-              <a:t>6/4/2020</a:t>
+              <a:t>6/13/2020</a:t>
             </a:fld>
             <a:endParaRPr lang="en-US"/>
           </a:p>
@@ -1142,7 +2034,7 @@
           <a:p>
             <a:fld id="{DFE30287-765A-4AB0-BB96-53FA911AEAD1}" type="datetimeFigureOut">
               <a:rPr lang="en-US" smtClean="0"/>
-              <a:t>6/4/2020</a:t>
+              <a:t>6/13/2020</a:t>
             </a:fld>
             <a:endParaRPr lang="en-US"/>
           </a:p>
@@ -1407,7 +2299,7 @@
           <a:p>
             <a:fld id="{DFE30287-765A-4AB0-BB96-53FA911AEAD1}" type="datetimeFigureOut">
               <a:rPr lang="en-US" smtClean="0"/>
-              <a:t>6/4/2020</a:t>
+              <a:t>6/13/2020</a:t>
             </a:fld>
             <a:endParaRPr lang="en-US"/>
           </a:p>
@@ -1819,7 +2711,7 @@
           <a:p>
             <a:fld id="{DFE30287-765A-4AB0-BB96-53FA911AEAD1}" type="datetimeFigureOut">
               <a:rPr lang="en-US" smtClean="0"/>
-              <a:t>6/4/2020</a:t>
+              <a:t>6/13/2020</a:t>
             </a:fld>
             <a:endParaRPr lang="en-US"/>
           </a:p>
@@ -1960,7 +2852,7 @@
           <a:p>
             <a:fld id="{DFE30287-765A-4AB0-BB96-53FA911AEAD1}" type="datetimeFigureOut">
               <a:rPr lang="en-US" smtClean="0"/>
-              <a:t>6/4/2020</a:t>
+              <a:t>6/13/2020</a:t>
             </a:fld>
             <a:endParaRPr lang="en-US"/>
           </a:p>
@@ -2073,7 +2965,7 @@
           <a:p>
             <a:fld id="{DFE30287-765A-4AB0-BB96-53FA911AEAD1}" type="datetimeFigureOut">
               <a:rPr lang="en-US" smtClean="0"/>
-              <a:t>6/4/2020</a:t>
+              <a:t>6/13/2020</a:t>
             </a:fld>
             <a:endParaRPr lang="en-US"/>
           </a:p>
@@ -2384,7 +3276,7 @@
           <a:p>
             <a:fld id="{DFE30287-765A-4AB0-BB96-53FA911AEAD1}" type="datetimeFigureOut">
               <a:rPr lang="en-US" smtClean="0"/>
-              <a:t>6/4/2020</a:t>
+              <a:t>6/13/2020</a:t>
             </a:fld>
             <a:endParaRPr lang="en-US"/>
           </a:p>
@@ -2672,7 +3564,7 @@
           <a:p>
             <a:fld id="{DFE30287-765A-4AB0-BB96-53FA911AEAD1}" type="datetimeFigureOut">
               <a:rPr lang="en-US" smtClean="0"/>
-              <a:t>6/4/2020</a:t>
+              <a:t>6/13/2020</a:t>
             </a:fld>
             <a:endParaRPr lang="en-US"/>
           </a:p>
@@ -2913,7 +3805,7 @@
           <a:p>
             <a:fld id="{DFE30287-765A-4AB0-BB96-53FA911AEAD1}" type="datetimeFigureOut">
               <a:rPr lang="en-US" smtClean="0"/>
-              <a:t>6/4/2020</a:t>
+              <a:t>6/13/2020</a:t>
             </a:fld>
             <a:endParaRPr lang="en-US"/>
           </a:p>
@@ -3482,7 +4374,7 @@
             </a:r>
             <a:r>
               <a:rPr lang="en-US" dirty="0">
-                <a:hlinkClick r:id="rId2"/>
+                <a:hlinkClick r:id="rId3"/>
               </a:rPr>
               <a:t>https://dotnet.microsoft.com/download</a:t>
             </a:r>
@@ -3492,33 +4384,49 @@
             <a:r>
               <a:rPr lang="en-US" dirty="0"/>
               <a:t>Download and install Anaconda </a:t>
-            </a:r>
-            <a:r>
-              <a:rPr lang="en-US" dirty="0">
-                <a:hlinkClick r:id="rId3"/>
-              </a:rPr>
-              <a:t>https://www.anaconda.com/products/individual</a:t>
-            </a:r>
-            <a:endParaRPr lang="en-US" dirty="0"/>
-          </a:p>
-          <a:p>
-            <a:r>
-              <a:rPr lang="en-US" dirty="0"/>
-              <a:t>(optional) Download and install </a:t>
-            </a:r>
-            <a:r>
-              <a:rPr lang="en-US" dirty="0" err="1"/>
-              <a:t>Graphviz</a:t>
-            </a:r>
-            <a:r>
-              <a:rPr lang="en-US" dirty="0"/>
-              <a:t> </a:t>
             </a:r>
             <a:r>
               <a:rPr lang="en-US" dirty="0">
                 <a:hlinkClick r:id="rId4"/>
               </a:rPr>
+              <a:t>https://www.anaconda.com/products/individual</a:t>
+            </a:r>
+            <a:endParaRPr lang="en-US" dirty="0"/>
+          </a:p>
+          <a:p>
+            <a:r>
+              <a:rPr lang="en-US" dirty="0"/>
+              <a:t>(optional) Download and install </a:t>
+            </a:r>
+            <a:r>
+              <a:rPr lang="en-US" dirty="0" err="1"/>
+              <a:t>Graphviz</a:t>
+            </a:r>
+            <a:r>
+              <a:rPr lang="en-US" dirty="0"/>
+              <a:t> </a:t>
+            </a:r>
+            <a:r>
+              <a:rPr lang="en-US" dirty="0">
+                <a:hlinkClick r:id="rId5"/>
+              </a:rPr>
               <a:t>https://graphviz.gitlab.io/download/</a:t>
+            </a:r>
+            <a:endParaRPr lang="en-US" dirty="0"/>
+          </a:p>
+          <a:p>
+            <a:r>
+              <a:rPr lang="en-US" dirty="0"/>
+              <a:t>I assume you already have Git, if not: </a:t>
+            </a:r>
+            <a:br>
+              <a:rPr lang="en-US" dirty="0"/>
+            </a:br>
+            <a:r>
+              <a:rPr lang="en-US" dirty="0">
+                <a:hlinkClick r:id="rId6"/>
+              </a:rPr>
+              <a:t>https://git-scm.com/downloads</a:t>
             </a:r>
             <a:endParaRPr lang="en-US" dirty="0"/>
           </a:p>
@@ -3731,7 +4639,7 @@
           </p:nvPr>
         </p:nvPicPr>
         <p:blipFill>
-          <a:blip r:embed="rId2">
+          <a:blip r:embed="rId3">
             <a:extLst>
               <a:ext uri="{28A0092B-C50C-407E-A947-70E740481C1C}">
                 <a14:useLocalDpi xmlns:a14="http://schemas.microsoft.com/office/drawing/2010/main" val="0"/>
@@ -4466,7 +5374,7 @@
           </p:nvPr>
         </p:nvPicPr>
         <p:blipFill>
-          <a:blip r:embed="rId2">
+          <a:blip r:embed="rId3">
             <a:extLst>
               <a:ext uri="{28A0092B-C50C-407E-A947-70E740481C1C}">
                 <a14:useLocalDpi xmlns:a14="http://schemas.microsoft.com/office/drawing/2010/main" val="0"/>
@@ -4645,7 +5553,7 @@
           <p:nvPr/>
         </p:nvPicPr>
         <p:blipFill>
-          <a:blip r:embed="rId3"/>
+          <a:blip r:embed="rId4"/>
           <a:stretch>
             <a:fillRect/>
           </a:stretch>
@@ -4664,6 +5572,326 @@
     <p:extLst>
       <p:ext uri="{BB962C8B-B14F-4D97-AF65-F5344CB8AC3E}">
         <p14:creationId xmlns:p14="http://schemas.microsoft.com/office/powerpoint/2010/main" val="311972525"/>
+      </p:ext>
+    </p:extLst>
+  </p:cSld>
+  <p:clrMapOvr>
+    <a:masterClrMapping/>
+  </p:clrMapOvr>
+</p:sld>
+</file>
+
+<file path=ppt/slides/slide6.xml><?xml version="1.0" encoding="utf-8"?>
+<p:sld xmlns:a="http://schemas.openxmlformats.org/drawingml/2006/main" xmlns:r="http://schemas.openxmlformats.org/officeDocument/2006/relationships" xmlns:p="http://schemas.openxmlformats.org/presentationml/2006/main">
+  <p:cSld>
+    <p:bg>
+      <p:bgPr>
+        <a:solidFill>
+          <a:schemeClr val="bg1"/>
+        </a:solidFill>
+        <a:effectLst/>
+      </p:bgPr>
+    </p:bg>
+    <p:spTree>
+      <p:nvGrpSpPr>
+        <p:cNvPr id="1" name=""/>
+        <p:cNvGrpSpPr/>
+        <p:nvPr/>
+      </p:nvGrpSpPr>
+      <p:grpSpPr>
+        <a:xfrm>
+          <a:off x="0" y="0"/>
+          <a:ext cx="0" cy="0"/>
+          <a:chOff x="0" y="0"/>
+          <a:chExt cx="0" cy="0"/>
+        </a:xfrm>
+      </p:grpSpPr>
+      <p:sp>
+        <p:nvSpPr>
+          <p:cNvPr id="15" name="Rectangle 8">
+            <a:extLst>
+              <a:ext uri="{FF2B5EF4-FFF2-40B4-BE49-F238E27FC236}">
+                <a16:creationId xmlns:a16="http://schemas.microsoft.com/office/drawing/2014/main" id="{9AF5C66A-E8F2-4E13-98A3-FE96597C5A42}"/>
+              </a:ext>
+              <a:ext uri="{C183D7F6-B498-43B3-948B-1728B52AA6E4}">
+                <adec:decorative xmlns:adec="http://schemas.microsoft.com/office/drawing/2017/decorative" val="1"/>
+              </a:ext>
+            </a:extLst>
+          </p:cNvPr>
+          <p:cNvSpPr>
+            <a:spLocks noGrp="1" noRot="1" noChangeAspect="1" noMove="1" noResize="1" noEditPoints="1" noAdjustHandles="1" noChangeArrowheads="1" noChangeShapeType="1" noTextEdit="1"/>
+          </p:cNvSpPr>
+          <p:nvPr>
+            <p:extLst>
+              <p:ext uri="{386F3935-93C4-4BCD-93E2-E3B085C9AB24}">
+                <p16:designElem xmlns:p16="http://schemas.microsoft.com/office/powerpoint/2015/main" val="1"/>
+              </p:ext>
+            </p:extLst>
+          </p:nvPr>
+        </p:nvSpPr>
+        <p:spPr>
+          <a:xfrm>
+            <a:off x="355601" y="0"/>
+            <a:ext cx="11480494" cy="2753936"/>
+          </a:xfrm>
+          <a:prstGeom prst="rect">
+            <a:avLst/>
+          </a:prstGeom>
+          <a:gradFill>
+            <a:gsLst>
+              <a:gs pos="0">
+                <a:schemeClr val="accent1">
+                  <a:lumMod val="90000"/>
+                </a:schemeClr>
+              </a:gs>
+              <a:gs pos="25000">
+                <a:schemeClr val="accent1">
+                  <a:lumMod val="90000"/>
+                </a:schemeClr>
+              </a:gs>
+              <a:gs pos="94000">
+                <a:schemeClr val="bg2">
+                  <a:lumMod val="25000"/>
+                </a:schemeClr>
+              </a:gs>
+              <a:gs pos="100000">
+                <a:schemeClr val="bg2">
+                  <a:lumMod val="25000"/>
+                </a:schemeClr>
+              </a:gs>
+            </a:gsLst>
+            <a:lin ang="4200000" scaled="0"/>
+          </a:gradFill>
+          <a:ln>
+            <a:noFill/>
+          </a:ln>
+        </p:spPr>
+        <p:style>
+          <a:lnRef idx="2">
+            <a:schemeClr val="accent1">
+              <a:shade val="50000"/>
+            </a:schemeClr>
+          </a:lnRef>
+          <a:fillRef idx="1">
+            <a:schemeClr val="accent1"/>
+          </a:fillRef>
+          <a:effectRef idx="0">
+            <a:schemeClr val="accent1"/>
+          </a:effectRef>
+          <a:fontRef idx="minor">
+            <a:schemeClr val="lt1"/>
+          </a:fontRef>
+        </p:style>
+        <p:txBody>
+          <a:bodyPr rtlCol="0" anchor="ctr"/>
+          <a:lstStyle/>
+          <a:p>
+            <a:pPr marL="0" marR="0" lvl="0" indent="0" algn="ctr" defTabSz="914400" rtl="0" eaLnBrk="1" fontAlgn="auto" latinLnBrk="0" hangingPunct="1">
+              <a:lnSpc>
+                <a:spcPct val="100000"/>
+              </a:lnSpc>
+              <a:spcBef>
+                <a:spcPts val="0"/>
+              </a:spcBef>
+              <a:spcAft>
+                <a:spcPts val="0"/>
+              </a:spcAft>
+              <a:buClrTx/>
+              <a:buSzTx/>
+              <a:buFontTx/>
+              <a:buNone/>
+              <a:tabLst/>
+              <a:defRPr/>
+            </a:pPr>
+            <a:endParaRPr kumimoji="0" lang="en-US" sz="1800" b="0" i="0" u="none" strike="noStrike" kern="1200" cap="none" spc="0" normalizeH="0" baseline="0" noProof="0">
+              <a:ln>
+                <a:noFill/>
+              </a:ln>
+              <a:solidFill>
+                <a:prstClr val="white"/>
+              </a:solidFill>
+              <a:effectLst/>
+              <a:uLnTx/>
+              <a:uFillTx/>
+              <a:latin typeface="Calibri" panose="020F0502020204030204"/>
+              <a:ea typeface="+mn-ea"/>
+              <a:cs typeface="+mn-cs"/>
+            </a:endParaRPr>
+          </a:p>
+        </p:txBody>
+      </p:sp>
+      <p:pic>
+        <p:nvPicPr>
+          <p:cNvPr id="16" name="Picture 10">
+            <a:extLst>
+              <a:ext uri="{FF2B5EF4-FFF2-40B4-BE49-F238E27FC236}">
+                <a16:creationId xmlns:a16="http://schemas.microsoft.com/office/drawing/2014/main" id="{AC860275-E106-493A-8BF0-E0A91130EF6A}"/>
+              </a:ext>
+              <a:ext uri="{C183D7F6-B498-43B3-948B-1728B52AA6E4}">
+                <adec:decorative xmlns:adec="http://schemas.microsoft.com/office/drawing/2017/decorative" val="1"/>
+              </a:ext>
+            </a:extLst>
+          </p:cNvPr>
+          <p:cNvPicPr>
+            <a:picLocks noGrp="1" noRot="1" noChangeAspect="1" noMove="1" noResize="1" noEditPoints="1" noAdjustHandles="1" noChangeArrowheads="1" noChangeShapeType="1" noCrop="1"/>
+          </p:cNvPicPr>
+          <p:nvPr>
+            <p:extLst>
+              <p:ext uri="{386F3935-93C4-4BCD-93E2-E3B085C9AB24}">
+                <p16:designElem xmlns:p16="http://schemas.microsoft.com/office/powerpoint/2015/main" val="1"/>
+              </p:ext>
+            </p:extLst>
+          </p:nvPr>
+        </p:nvPicPr>
+        <p:blipFill>
+          <a:blip r:embed="rId3">
+            <a:extLst>
+              <a:ext uri="{28A0092B-C50C-407E-A947-70E740481C1C}">
+                <a14:useLocalDpi xmlns:a14="http://schemas.microsoft.com/office/drawing/2010/main" val="0"/>
+              </a:ext>
+            </a:extLst>
+          </a:blip>
+          <a:stretch>
+            <a:fillRect/>
+          </a:stretch>
+        </p:blipFill>
+        <p:spPr>
+          <a:xfrm>
+            <a:off x="0" y="0"/>
+            <a:ext cx="12192000" cy="6858000"/>
+          </a:xfrm>
+          <a:prstGeom prst="rect">
+            <a:avLst/>
+          </a:prstGeom>
+        </p:spPr>
+      </p:pic>
+      <p:sp>
+        <p:nvSpPr>
+          <p:cNvPr id="2" name="Title 1">
+            <a:extLst>
+              <a:ext uri="{FF2B5EF4-FFF2-40B4-BE49-F238E27FC236}">
+                <a16:creationId xmlns:a16="http://schemas.microsoft.com/office/drawing/2014/main" id="{5ECFFE6A-2CB9-4097-8700-75382D904521}"/>
+              </a:ext>
+            </a:extLst>
+          </p:cNvPr>
+          <p:cNvSpPr>
+            <a:spLocks noGrp="1"/>
+          </p:cNvSpPr>
+          <p:nvPr>
+            <p:ph type="title"/>
+          </p:nvPr>
+        </p:nvSpPr>
+        <p:spPr>
+          <a:xfrm>
+            <a:off x="1179576" y="822960"/>
+            <a:ext cx="9829800" cy="1325880"/>
+          </a:xfrm>
+        </p:spPr>
+        <p:txBody>
+          <a:bodyPr>
+            <a:normAutofit/>
+          </a:bodyPr>
+          <a:lstStyle/>
+          <a:p>
+            <a:pPr algn="ctr"/>
+            <a:r>
+              <a:rPr lang="en-US" sz="4000" dirty="0">
+                <a:solidFill>
+                  <a:srgbClr val="FFFFFF"/>
+                </a:solidFill>
+              </a:rPr>
+              <a:t>Ok, ok, show me now!</a:t>
+            </a:r>
+          </a:p>
+        </p:txBody>
+      </p:sp>
+      <p:sp>
+        <p:nvSpPr>
+          <p:cNvPr id="3" name="Content Placeholder 2">
+            <a:extLst>
+              <a:ext uri="{FF2B5EF4-FFF2-40B4-BE49-F238E27FC236}">
+                <a16:creationId xmlns:a16="http://schemas.microsoft.com/office/drawing/2014/main" id="{6D992714-3BE8-4794-A0F8-F6FA17D5E167}"/>
+              </a:ext>
+            </a:extLst>
+          </p:cNvPr>
+          <p:cNvSpPr>
+            <a:spLocks noGrp="1"/>
+          </p:cNvSpPr>
+          <p:nvPr>
+            <p:ph idx="1"/>
+          </p:nvPr>
+        </p:nvSpPr>
+        <p:spPr>
+          <a:xfrm>
+            <a:off x="804672" y="2827419"/>
+            <a:ext cx="5126896" cy="3227626"/>
+          </a:xfrm>
+        </p:spPr>
+        <p:txBody>
+          <a:bodyPr anchor="ctr">
+            <a:normAutofit/>
+          </a:bodyPr>
+          <a:lstStyle/>
+          <a:p>
+            <a:pPr marL="0" indent="0">
+              <a:buNone/>
+            </a:pPr>
+            <a:endParaRPr lang="en-US" sz="1900" dirty="0">
+              <a:solidFill>
+                <a:srgbClr val="000000"/>
+              </a:solidFill>
+            </a:endParaRPr>
+          </a:p>
+          <a:p>
+            <a:endParaRPr lang="en-US" sz="1900" dirty="0">
+              <a:solidFill>
+                <a:srgbClr val="000000"/>
+              </a:solidFill>
+            </a:endParaRPr>
+          </a:p>
+          <a:p>
+            <a:endParaRPr lang="en-US" sz="1900" dirty="0">
+              <a:solidFill>
+                <a:srgbClr val="000000"/>
+              </a:solidFill>
+            </a:endParaRPr>
+          </a:p>
+        </p:txBody>
+      </p:sp>
+      <p:pic>
+        <p:nvPicPr>
+          <p:cNvPr id="5" name="Picture 4">
+            <a:extLst>
+              <a:ext uri="{FF2B5EF4-FFF2-40B4-BE49-F238E27FC236}">
+                <a16:creationId xmlns:a16="http://schemas.microsoft.com/office/drawing/2014/main" id="{C3AB9C98-01DC-42C6-AD6C-69B84BE99E21}"/>
+              </a:ext>
+            </a:extLst>
+          </p:cNvPr>
+          <p:cNvPicPr>
+            <a:picLocks noChangeAspect="1"/>
+          </p:cNvPicPr>
+          <p:nvPr/>
+        </p:nvPicPr>
+        <p:blipFill>
+          <a:blip r:embed="rId4"/>
+          <a:stretch>
+            <a:fillRect/>
+          </a:stretch>
+        </p:blipFill>
+        <p:spPr>
+          <a:xfrm>
+            <a:off x="889063" y="2827419"/>
+            <a:ext cx="10410825" cy="6743700"/>
+          </a:xfrm>
+          <a:prstGeom prst="rect">
+            <a:avLst/>
+          </a:prstGeom>
+        </p:spPr>
+      </p:pic>
+    </p:spTree>
+    <p:extLst>
+      <p:ext uri="{BB962C8B-B14F-4D97-AF65-F5344CB8AC3E}">
+        <p14:creationId xmlns:p14="http://schemas.microsoft.com/office/powerpoint/2010/main" val="141335764"/>
       </p:ext>
     </p:extLst>
   </p:cSld>
@@ -4966,4 +6194,299 @@
     </a:ext>
   </a:extLst>
 </a:theme>
+</file>
+
+<file path=ppt/theme/theme2.xml><?xml version="1.0" encoding="utf-8"?>
+<a:theme xmlns:a="http://schemas.openxmlformats.org/drawingml/2006/main" name="Office Theme">
+  <a:themeElements>
+    <a:clrScheme name="Office">
+      <a:dk1>
+        <a:sysClr val="windowText" lastClr="000000"/>
+      </a:dk1>
+      <a:lt1>
+        <a:sysClr val="window" lastClr="FFFFFF"/>
+      </a:lt1>
+      <a:dk2>
+        <a:srgbClr val="44546A"/>
+      </a:dk2>
+      <a:lt2>
+        <a:srgbClr val="E7E6E6"/>
+      </a:lt2>
+      <a:accent1>
+        <a:srgbClr val="4472C4"/>
+      </a:accent1>
+      <a:accent2>
+        <a:srgbClr val="ED7D31"/>
+      </a:accent2>
+      <a:accent3>
+        <a:srgbClr val="A5A5A5"/>
+      </a:accent3>
+      <a:accent4>
+        <a:srgbClr val="FFC000"/>
+      </a:accent4>
+      <a:accent5>
+        <a:srgbClr val="5B9BD5"/>
+      </a:accent5>
+      <a:accent6>
+        <a:srgbClr val="70AD47"/>
+      </a:accent6>
+      <a:hlink>
+        <a:srgbClr val="0563C1"/>
+      </a:hlink>
+      <a:folHlink>
+        <a:srgbClr val="954F72"/>
+      </a:folHlink>
+    </a:clrScheme>
+    <a:fontScheme name="Office">
+      <a:majorFont>
+        <a:latin typeface="Calibri Light" panose="020F0302020204030204"/>
+        <a:ea typeface=""/>
+        <a:cs typeface=""/>
+        <a:font script="Jpan" typeface="游ゴシック Light"/>
+        <a:font script="Hang" typeface="맑은 고딕"/>
+        <a:font script="Hans" typeface="等线 Light"/>
+        <a:font script="Hant" typeface="新細明體"/>
+        <a:font script="Arab" typeface="Times New Roman"/>
+        <a:font script="Hebr" typeface="Times New Roman"/>
+        <a:font script="Thai" typeface="Angsana New"/>
+        <a:font script="Ethi" typeface="Nyala"/>
+        <a:font script="Beng" typeface="Vrinda"/>
+        <a:font script="Gujr" typeface="Shruti"/>
+        <a:font script="Khmr" typeface="MoolBoran"/>
+        <a:font script="Knda" typeface="Tunga"/>
+        <a:font script="Guru" typeface="Raavi"/>
+        <a:font script="Cans" typeface="Euphemia"/>
+        <a:font script="Cher" typeface="Plantagenet Cherokee"/>
+        <a:font script="Yiii" typeface="Microsoft Yi Baiti"/>
+        <a:font script="Tibt" typeface="Microsoft Himalaya"/>
+        <a:font script="Thaa" typeface="MV Boli"/>
+        <a:font script="Deva" typeface="Mangal"/>
+        <a:font script="Telu" typeface="Gautami"/>
+        <a:font script="Taml" typeface="Latha"/>
+        <a:font script="Syrc" typeface="Estrangelo Edessa"/>
+        <a:font script="Orya" typeface="Kalinga"/>
+        <a:font script="Mlym" typeface="Kartika"/>
+        <a:font script="Laoo" typeface="DokChampa"/>
+        <a:font script="Sinh" typeface="Iskoola Pota"/>
+        <a:font script="Mong" typeface="Mongolian Baiti"/>
+        <a:font script="Viet" typeface="Times New Roman"/>
+        <a:font script="Uigh" typeface="Microsoft Uighur"/>
+        <a:font script="Geor" typeface="Sylfaen"/>
+        <a:font script="Armn" typeface="Arial"/>
+        <a:font script="Bugi" typeface="Leelawadee UI"/>
+        <a:font script="Bopo" typeface="Microsoft JhengHei"/>
+        <a:font script="Java" typeface="Javanese Text"/>
+        <a:font script="Lisu" typeface="Segoe UI"/>
+        <a:font script="Mymr" typeface="Myanmar Text"/>
+        <a:font script="Nkoo" typeface="Ebrima"/>
+        <a:font script="Olck" typeface="Nirmala UI"/>
+        <a:font script="Osma" typeface="Ebrima"/>
+        <a:font script="Phag" typeface="Phagspa"/>
+        <a:font script="Syrn" typeface="Estrangelo Edessa"/>
+        <a:font script="Syrj" typeface="Estrangelo Edessa"/>
+        <a:font script="Syre" typeface="Estrangelo Edessa"/>
+        <a:font script="Sora" typeface="Nirmala UI"/>
+        <a:font script="Tale" typeface="Microsoft Tai Le"/>
+        <a:font script="Talu" typeface="Microsoft New Tai Lue"/>
+        <a:font script="Tfng" typeface="Ebrima"/>
+      </a:majorFont>
+      <a:minorFont>
+        <a:latin typeface="Calibri" panose="020F0502020204030204"/>
+        <a:ea typeface=""/>
+        <a:cs typeface=""/>
+        <a:font script="Jpan" typeface="游ゴシック"/>
+        <a:font script="Hang" typeface="맑은 고딕"/>
+        <a:font script="Hans" typeface="等线"/>
+        <a:font script="Hant" typeface="新細明體"/>
+        <a:font script="Arab" typeface="Arial"/>
+        <a:font script="Hebr" typeface="Arial"/>
+        <a:font script="Thai" typeface="Cordia New"/>
+        <a:font script="Ethi" typeface="Nyala"/>
+        <a:font script="Beng" typeface="Vrinda"/>
+        <a:font script="Gujr" typeface="Shruti"/>
+        <a:font script="Khmr" typeface="DaunPenh"/>
+        <a:font script="Knda" typeface="Tunga"/>
+        <a:font script="Guru" typeface="Raavi"/>
+        <a:font script="Cans" typeface="Euphemia"/>
+        <a:font script="Cher" typeface="Plantagenet Cherokee"/>
+        <a:font script="Yiii" typeface="Microsoft Yi Baiti"/>
+        <a:font script="Tibt" typeface="Microsoft Himalaya"/>
+        <a:font script="Thaa" typeface="MV Boli"/>
+        <a:font script="Deva" typeface="Mangal"/>
+        <a:font script="Telu" typeface="Gautami"/>
+        <a:font script="Taml" typeface="Latha"/>
+        <a:font script="Syrc" typeface="Estrangelo Edessa"/>
+        <a:font script="Orya" typeface="Kalinga"/>
+        <a:font script="Mlym" typeface="Kartika"/>
+        <a:font script="Laoo" typeface="DokChampa"/>
+        <a:font script="Sinh" typeface="Iskoola Pota"/>
+        <a:font script="Mong" typeface="Mongolian Baiti"/>
+        <a:font script="Viet" typeface="Arial"/>
+        <a:font script="Uigh" typeface="Microsoft Uighur"/>
+        <a:font script="Geor" typeface="Sylfaen"/>
+        <a:font script="Armn" typeface="Arial"/>
+        <a:font script="Bugi" typeface="Leelawadee UI"/>
+        <a:font script="Bopo" typeface="Microsoft JhengHei"/>
+        <a:font script="Java" typeface="Javanese Text"/>
+        <a:font script="Lisu" typeface="Segoe UI"/>
+        <a:font script="Mymr" typeface="Myanmar Text"/>
+        <a:font script="Nkoo" typeface="Ebrima"/>
+        <a:font script="Olck" typeface="Nirmala UI"/>
+        <a:font script="Osma" typeface="Ebrima"/>
+        <a:font script="Phag" typeface="Phagspa"/>
+        <a:font script="Syrn" typeface="Estrangelo Edessa"/>
+        <a:font script="Syrj" typeface="Estrangelo Edessa"/>
+        <a:font script="Syre" typeface="Estrangelo Edessa"/>
+        <a:font script="Sora" typeface="Nirmala UI"/>
+        <a:font script="Tale" typeface="Microsoft Tai Le"/>
+        <a:font script="Talu" typeface="Microsoft New Tai Lue"/>
+        <a:font script="Tfng" typeface="Ebrima"/>
+      </a:minorFont>
+    </a:fontScheme>
+    <a:fmtScheme name="Office">
+      <a:fillStyleLst>
+        <a:solidFill>
+          <a:schemeClr val="phClr"/>
+        </a:solidFill>
+        <a:gradFill rotWithShape="1">
+          <a:gsLst>
+            <a:gs pos="0">
+              <a:schemeClr val="phClr">
+                <a:lumMod val="110000"/>
+                <a:satMod val="105000"/>
+                <a:tint val="67000"/>
+              </a:schemeClr>
+            </a:gs>
+            <a:gs pos="50000">
+              <a:schemeClr val="phClr">
+                <a:lumMod val="105000"/>
+                <a:satMod val="103000"/>
+                <a:tint val="73000"/>
+              </a:schemeClr>
+            </a:gs>
+            <a:gs pos="100000">
+              <a:schemeClr val="phClr">
+                <a:lumMod val="105000"/>
+                <a:satMod val="109000"/>
+                <a:tint val="81000"/>
+              </a:schemeClr>
+            </a:gs>
+          </a:gsLst>
+          <a:lin ang="5400000" scaled="0"/>
+        </a:gradFill>
+        <a:gradFill rotWithShape="1">
+          <a:gsLst>
+            <a:gs pos="0">
+              <a:schemeClr val="phClr">
+                <a:satMod val="103000"/>
+                <a:lumMod val="102000"/>
+                <a:tint val="94000"/>
+              </a:schemeClr>
+            </a:gs>
+            <a:gs pos="50000">
+              <a:schemeClr val="phClr">
+                <a:satMod val="110000"/>
+                <a:lumMod val="100000"/>
+                <a:shade val="100000"/>
+              </a:schemeClr>
+            </a:gs>
+            <a:gs pos="100000">
+              <a:schemeClr val="phClr">
+                <a:lumMod val="99000"/>
+                <a:satMod val="120000"/>
+                <a:shade val="78000"/>
+              </a:schemeClr>
+            </a:gs>
+          </a:gsLst>
+          <a:lin ang="5400000" scaled="0"/>
+        </a:gradFill>
+      </a:fillStyleLst>
+      <a:lnStyleLst>
+        <a:ln w="6350" cap="flat" cmpd="sng" algn="ctr">
+          <a:solidFill>
+            <a:schemeClr val="phClr"/>
+          </a:solidFill>
+          <a:prstDash val="solid"/>
+          <a:miter lim="800000"/>
+        </a:ln>
+        <a:ln w="12700" cap="flat" cmpd="sng" algn="ctr">
+          <a:solidFill>
+            <a:schemeClr val="phClr"/>
+          </a:solidFill>
+          <a:prstDash val="solid"/>
+          <a:miter lim="800000"/>
+        </a:ln>
+        <a:ln w="19050" cap="flat" cmpd="sng" algn="ctr">
+          <a:solidFill>
+            <a:schemeClr val="phClr"/>
+          </a:solidFill>
+          <a:prstDash val="solid"/>
+          <a:miter lim="800000"/>
+        </a:ln>
+      </a:lnStyleLst>
+      <a:effectStyleLst>
+        <a:effectStyle>
+          <a:effectLst/>
+        </a:effectStyle>
+        <a:effectStyle>
+          <a:effectLst/>
+        </a:effectStyle>
+        <a:effectStyle>
+          <a:effectLst>
+            <a:outerShdw blurRad="57150" dist="19050" dir="5400000" algn="ctr" rotWithShape="0">
+              <a:srgbClr val="000000">
+                <a:alpha val="63000"/>
+              </a:srgbClr>
+            </a:outerShdw>
+          </a:effectLst>
+        </a:effectStyle>
+      </a:effectStyleLst>
+      <a:bgFillStyleLst>
+        <a:solidFill>
+          <a:schemeClr val="phClr"/>
+        </a:solidFill>
+        <a:solidFill>
+          <a:schemeClr val="phClr">
+            <a:tint val="95000"/>
+            <a:satMod val="170000"/>
+          </a:schemeClr>
+        </a:solidFill>
+        <a:gradFill rotWithShape="1">
+          <a:gsLst>
+            <a:gs pos="0">
+              <a:schemeClr val="phClr">
+                <a:tint val="93000"/>
+                <a:satMod val="150000"/>
+                <a:shade val="98000"/>
+                <a:lumMod val="102000"/>
+              </a:schemeClr>
+            </a:gs>
+            <a:gs pos="50000">
+              <a:schemeClr val="phClr">
+                <a:tint val="98000"/>
+                <a:satMod val="130000"/>
+                <a:shade val="90000"/>
+                <a:lumMod val="103000"/>
+              </a:schemeClr>
+            </a:gs>
+            <a:gs pos="100000">
+              <a:schemeClr val="phClr">
+                <a:shade val="63000"/>
+                <a:satMod val="120000"/>
+              </a:schemeClr>
+            </a:gs>
+          </a:gsLst>
+          <a:lin ang="5400000" scaled="0"/>
+        </a:gradFill>
+      </a:bgFillStyleLst>
+    </a:fmtScheme>
+  </a:themeElements>
+  <a:objectDefaults/>
+  <a:extraClrSchemeLst/>
+  <a:extLst>
+    <a:ext uri="{05A4C25C-085E-4340-85A3-A5531E510DB2}">
+      <thm15:themeFamily xmlns:thm15="http://schemas.microsoft.com/office/thememl/2012/main" name="Office Theme" id="{62F939B6-93AF-4DB8-9C6B-D6C7DFDC589F}" vid="{4A3C46E8-61CC-4603-A589-7422A47A8E4A}"/>
+    </a:ext>
+  </a:extLst>
+</a:theme>
 </file>
--- a/really-simple-ml-net.pptx
+++ b/really-simple-ml-net.pptx
@@ -605,6 +605,31 @@
               <a:t>If you want to do the follow-along section</a:t>
             </a:r>
           </a:p>
+          <a:p>
+            <a:endParaRPr lang="en-US" dirty="0"/>
+          </a:p>
+          <a:p>
+            <a:r>
+              <a:rPr lang="en-US" dirty="0"/>
+              <a:t>When testing for all of this I bumped into this:</a:t>
+            </a:r>
+          </a:p>
+          <a:p>
+            <a:pPr marL="171450" indent="-171450">
+              <a:buFont typeface="Arial" panose="020B0604020202020204" pitchFamily="34" charset="0"/>
+              <a:buChar char="•"/>
+            </a:pPr>
+            <a:r>
+              <a:rPr lang="en-US" dirty="0">
+                <a:hlinkClick r:id="rId3"/>
+              </a:rPr>
+              <a:t>https://github.com/dotnet/try/issues/844</a:t>
+            </a:r>
+            <a:r>
+              <a:rPr lang="en-US" dirty="0"/>
+              <a:t> so please install 3.1.103</a:t>
+            </a:r>
+          </a:p>
         </p:txBody>
       </p:sp>
       <p:sp>
@@ -689,7 +714,7 @@
           <a:p>
             <a:r>
               <a:rPr lang="en-US" dirty="0"/>
-              <a:t>Free, no costs no money to use.</a:t>
+              <a:t>Free, costs no money to use.</a:t>
             </a:r>
           </a:p>
           <a:p>
@@ -4247,7 +4272,7 @@
           <a:p>
             <a:r>
               <a:rPr lang="en-US" b="1" dirty="0"/>
-              <a:t>Dead simple ML.NET for Scientists, Researchers and Engineers</a:t>
+              <a:t>Really simple ML.NET for Scientists, Researchers and Engineers</a:t>
             </a:r>
             <a:endParaRPr lang="en-US" dirty="0"/>
           </a:p>
@@ -4365,7 +4390,9 @@
           </a:xfrm>
         </p:spPr>
         <p:txBody>
-          <a:bodyPr/>
+          <a:bodyPr>
+            <a:normAutofit/>
+          </a:bodyPr>
           <a:lstStyle/>
           <a:p>
             <a:r>
@@ -4373,43 +4400,62 @@
               <a:t>Download and install.NET Core 3.1 SDK and 2.1 </a:t>
             </a:r>
             <a:r>
-              <a:rPr lang="en-US" dirty="0">
+              <a:rPr lang="en-US" strike="sngStrike" dirty="0">
                 <a:hlinkClick r:id="rId3"/>
               </a:rPr>
               <a:t>https://dotnet.microsoft.com/download</a:t>
             </a:r>
-            <a:endParaRPr lang="en-US" dirty="0"/>
-          </a:p>
-          <a:p>
+            <a:r>
+              <a:rPr lang="en-US" strike="sngStrike" dirty="0"/>
+              <a:t> </a:t>
+            </a:r>
             <a:r>
               <a:rPr lang="en-US" dirty="0"/>
-              <a:t>Download and install Anaconda </a:t>
-            </a:r>
+              <a:t>*</a:t>
+            </a:r>
+          </a:p>
+          <a:p>
             <a:r>
               <a:rPr lang="en-US" dirty="0">
                 <a:hlinkClick r:id="rId4"/>
               </a:rPr>
-              <a:t>https://www.anaconda.com/products/individual</a:t>
-            </a:r>
-            <a:endParaRPr lang="en-US" dirty="0"/>
-          </a:p>
-          <a:p>
+              <a:t>https://dotnet.microsoft.com/download/dotnet/current</a:t>
+            </a:r>
             <a:r>
               <a:rPr lang="en-US" dirty="0"/>
-              <a:t>(optional) Download and install </a:t>
-            </a:r>
-            <a:r>
-              <a:rPr lang="en-US" dirty="0" err="1"/>
-              <a:t>Graphviz</a:t>
-            </a:r>
+              <a:t>  SDK 3.1.103</a:t>
+            </a:r>
+          </a:p>
+          <a:p>
             <a:r>
               <a:rPr lang="en-US" dirty="0"/>
-              <a:t> </a:t>
+              <a:t>Download and install Anaconda </a:t>
             </a:r>
             <a:r>
               <a:rPr lang="en-US" dirty="0">
                 <a:hlinkClick r:id="rId5"/>
               </a:rPr>
+              <a:t>https://www.anaconda.com/products/individual</a:t>
+            </a:r>
+            <a:endParaRPr lang="en-US" dirty="0"/>
+          </a:p>
+          <a:p>
+            <a:r>
+              <a:rPr lang="en-US" dirty="0"/>
+              <a:t>(optional) Download and install </a:t>
+            </a:r>
+            <a:r>
+              <a:rPr lang="en-US" dirty="0" err="1"/>
+              <a:t>Graphviz</a:t>
+            </a:r>
+            <a:r>
+              <a:rPr lang="en-US" dirty="0"/>
+              <a:t> </a:t>
+            </a:r>
+            <a:r>
+              <a:rPr lang="en-US" dirty="0">
+                <a:hlinkClick r:id="rId6"/>
+              </a:rPr>
               <a:t>https://graphviz.gitlab.io/download/</a:t>
             </a:r>
             <a:endParaRPr lang="en-US" dirty="0"/>
@@ -4424,7 +4470,7 @@
             </a:br>
             <a:r>
               <a:rPr lang="en-US" dirty="0">
-                <a:hlinkClick r:id="rId6"/>
+                <a:hlinkClick r:id="rId7"/>
               </a:rPr>
               <a:t>https://git-scm.com/downloads</a:t>
             </a:r>

--- a/really-simple-ml-net.pptx
+++ b/really-simple-ml-net.pptx
@@ -202,7 +202,7 @@
           <a:p>
             <a:fld id="{4B6A4A07-C180-4E5A-B172-79308A58FD04}" type="datetimeFigureOut">
               <a:rPr lang="en-US" smtClean="0"/>
-              <a:t>6/13/2020</a:t>
+              <a:t>6/20/2020</a:t>
             </a:fld>
             <a:endParaRPr lang="en-US"/>
           </a:p>
@@ -1180,7 +1180,7 @@
           <a:p>
             <a:fld id="{DFE30287-765A-4AB0-BB96-53FA911AEAD1}" type="datetimeFigureOut">
               <a:rPr lang="en-US" smtClean="0"/>
-              <a:t>6/13/2020</a:t>
+              <a:t>6/20/2020</a:t>
             </a:fld>
             <a:endParaRPr lang="en-US"/>
           </a:p>
@@ -1378,7 +1378,7 @@
           <a:p>
             <a:fld id="{DFE30287-765A-4AB0-BB96-53FA911AEAD1}" type="datetimeFigureOut">
               <a:rPr lang="en-US" smtClean="0"/>
-              <a:t>6/13/2020</a:t>
+              <a:t>6/20/2020</a:t>
             </a:fld>
             <a:endParaRPr lang="en-US"/>
           </a:p>
@@ -1586,7 +1586,7 @@
           <a:p>
             <a:fld id="{DFE30287-765A-4AB0-BB96-53FA911AEAD1}" type="datetimeFigureOut">
               <a:rPr lang="en-US" smtClean="0"/>
-              <a:t>6/13/2020</a:t>
+              <a:t>6/20/2020</a:t>
             </a:fld>
             <a:endParaRPr lang="en-US"/>
           </a:p>
@@ -1784,7 +1784,7 @@
           <a:p>
             <a:fld id="{DFE30287-765A-4AB0-BB96-53FA911AEAD1}" type="datetimeFigureOut">
               <a:rPr lang="en-US" smtClean="0"/>
-              <a:t>6/13/2020</a:t>
+              <a:t>6/20/2020</a:t>
             </a:fld>
             <a:endParaRPr lang="en-US"/>
           </a:p>
@@ -2059,7 +2059,7 @@
           <a:p>
             <a:fld id="{DFE30287-765A-4AB0-BB96-53FA911AEAD1}" type="datetimeFigureOut">
               <a:rPr lang="en-US" smtClean="0"/>
-              <a:t>6/13/2020</a:t>
+              <a:t>6/20/2020</a:t>
             </a:fld>
             <a:endParaRPr lang="en-US"/>
           </a:p>
@@ -2324,7 +2324,7 @@
           <a:p>
             <a:fld id="{DFE30287-765A-4AB0-BB96-53FA911AEAD1}" type="datetimeFigureOut">
               <a:rPr lang="en-US" smtClean="0"/>
-              <a:t>6/13/2020</a:t>
+              <a:t>6/20/2020</a:t>
             </a:fld>
             <a:endParaRPr lang="en-US"/>
           </a:p>
@@ -2736,7 +2736,7 @@
           <a:p>
             <a:fld id="{DFE30287-765A-4AB0-BB96-53FA911AEAD1}" type="datetimeFigureOut">
               <a:rPr lang="en-US" smtClean="0"/>
-              <a:t>6/13/2020</a:t>
+              <a:t>6/20/2020</a:t>
             </a:fld>
             <a:endParaRPr lang="en-US"/>
           </a:p>
@@ -2877,7 +2877,7 @@
           <a:p>
             <a:fld id="{DFE30287-765A-4AB0-BB96-53FA911AEAD1}" type="datetimeFigureOut">
               <a:rPr lang="en-US" smtClean="0"/>
-              <a:t>6/13/2020</a:t>
+              <a:t>6/20/2020</a:t>
             </a:fld>
             <a:endParaRPr lang="en-US"/>
           </a:p>
@@ -2990,7 +2990,7 @@
           <a:p>
             <a:fld id="{DFE30287-765A-4AB0-BB96-53FA911AEAD1}" type="datetimeFigureOut">
               <a:rPr lang="en-US" smtClean="0"/>
-              <a:t>6/13/2020</a:t>
+              <a:t>6/20/2020</a:t>
             </a:fld>
             <a:endParaRPr lang="en-US"/>
           </a:p>
@@ -3301,7 +3301,7 @@
           <a:p>
             <a:fld id="{DFE30287-765A-4AB0-BB96-53FA911AEAD1}" type="datetimeFigureOut">
               <a:rPr lang="en-US" smtClean="0"/>
-              <a:t>6/13/2020</a:t>
+              <a:t>6/20/2020</a:t>
             </a:fld>
             <a:endParaRPr lang="en-US"/>
           </a:p>
@@ -3589,7 +3589,7 @@
           <a:p>
             <a:fld id="{DFE30287-765A-4AB0-BB96-53FA911AEAD1}" type="datetimeFigureOut">
               <a:rPr lang="en-US" smtClean="0"/>
-              <a:t>6/13/2020</a:t>
+              <a:t>6/20/2020</a:t>
             </a:fld>
             <a:endParaRPr lang="en-US"/>
           </a:p>
@@ -3830,7 +3830,7 @@
           <a:p>
             <a:fld id="{DFE30287-765A-4AB0-BB96-53FA911AEAD1}" type="datetimeFigureOut">
               <a:rPr lang="en-US" smtClean="0"/>
-              <a:t>6/13/2020</a:t>
+              <a:t>6/20/2020</a:t>
             </a:fld>
             <a:endParaRPr lang="en-US"/>
           </a:p>
@@ -4397,84 +4397,34 @@
           <a:p>
             <a:r>
               <a:rPr lang="en-US" dirty="0"/>
-              <a:t>Download and install.NET Core 3.1 SDK and 2.1 </a:t>
-            </a:r>
-            <a:r>
-              <a:rPr lang="en-US" strike="sngStrike" dirty="0">
+              <a:t>Do the Setup Instructions from the GitHub: (Maybe you still have time) </a:t>
+            </a:r>
+            <a:r>
+              <a:rPr lang="en-US" dirty="0">
                 <a:hlinkClick r:id="rId3"/>
               </a:rPr>
-              <a:t>https://dotnet.microsoft.com/download</a:t>
-            </a:r>
-            <a:r>
-              <a:rPr lang="en-US" strike="sngStrike" dirty="0"/>
-              <a:t> </a:t>
-            </a:r>
+              <a:t>https://github.com/edirgarcia/ml_net_lab</a:t>
+            </a:r>
+            <a:endParaRPr lang="en-US" dirty="0"/>
+          </a:p>
+          <a:p>
+            <a:endParaRPr lang="en-US" dirty="0"/>
+          </a:p>
+          <a:p>
             <a:r>
               <a:rPr lang="en-US" dirty="0"/>
-              <a:t>*</a:t>
-            </a:r>
-          </a:p>
-          <a:p>
+              <a:t>Important Note: The C# Lab only works on SDK 3.1.103, there’s issues with newer versions, I have let them know: </a:t>
+            </a:r>
             <a:r>
               <a:rPr lang="en-US" dirty="0">
                 <a:hlinkClick r:id="rId4"/>
               </a:rPr>
-              <a:t>https://dotnet.microsoft.com/download/dotnet/current</a:t>
-            </a:r>
-            <a:r>
-              <a:rPr lang="en-US" dirty="0"/>
-              <a:t>  SDK 3.1.103</a:t>
-            </a:r>
-          </a:p>
-          <a:p>
-            <a:r>
-              <a:rPr lang="en-US" dirty="0"/>
-              <a:t>Download and install Anaconda </a:t>
-            </a:r>
-            <a:r>
-              <a:rPr lang="en-US" dirty="0">
-                <a:hlinkClick r:id="rId5"/>
-              </a:rPr>
-              <a:t>https://www.anaconda.com/products/individual</a:t>
-            </a:r>
-            <a:endParaRPr lang="en-US" dirty="0"/>
-          </a:p>
-          <a:p>
-            <a:r>
-              <a:rPr lang="en-US" dirty="0"/>
-              <a:t>(optional) Download and install </a:t>
-            </a:r>
-            <a:r>
-              <a:rPr lang="en-US" dirty="0" err="1"/>
-              <a:t>Graphviz</a:t>
+              <a:t>https://github.com/dotnet/try/issues/844</a:t>
             </a:r>
             <a:r>
               <a:rPr lang="en-US" dirty="0"/>
               <a:t> </a:t>
             </a:r>
-            <a:r>
-              <a:rPr lang="en-US" dirty="0">
-                <a:hlinkClick r:id="rId6"/>
-              </a:rPr>
-              <a:t>https://graphviz.gitlab.io/download/</a:t>
-            </a:r>
-            <a:endParaRPr lang="en-US" dirty="0"/>
-          </a:p>
-          <a:p>
-            <a:r>
-              <a:rPr lang="en-US" dirty="0"/>
-              <a:t>I assume you already have Git, if not: </a:t>
-            </a:r>
-            <a:br>
-              <a:rPr lang="en-US" dirty="0"/>
-            </a:br>
-            <a:r>
-              <a:rPr lang="en-US" dirty="0">
-                <a:hlinkClick r:id="rId7"/>
-              </a:rPr>
-              <a:t>https://git-scm.com/downloads</a:t>
-            </a:r>
-            <a:endParaRPr lang="en-US" dirty="0"/>
           </a:p>
         </p:txBody>
       </p:sp>

--- a/really-simple-ml-net.pptx
+++ b/really-simple-ml-net.pptx
@@ -4360,9 +4360,10 @@
           <a:bodyPr/>
           <a:lstStyle/>
           <a:p>
+            <a:pPr algn="ctr"/>
             <a:r>
               <a:rPr lang="en-US" dirty="0"/>
-              <a:t>Before we even start</a:t>
+              <a:t>Before we even start…</a:t>
             </a:r>
           </a:p>
         </p:txBody>
@@ -4395,36 +4396,51 @@
           </a:bodyPr>
           <a:lstStyle/>
           <a:p>
+            <a:pPr marL="0" indent="0" algn="ctr">
+              <a:buNone/>
+            </a:pPr>
             <a:r>
               <a:rPr lang="en-US" dirty="0"/>
-              <a:t>Do the Setup Instructions from the GitHub: (Maybe you still have time) </a:t>
-            </a:r>
-            <a:r>
-              <a:rPr lang="en-US" dirty="0">
+              <a:t>Do the Setup Instructions from the GitHub:</a:t>
+            </a:r>
+          </a:p>
+          <a:p>
+            <a:pPr marL="0" indent="0" algn="ctr">
+              <a:buNone/>
+            </a:pPr>
+            <a:endParaRPr lang="en-US" dirty="0"/>
+          </a:p>
+          <a:p>
+            <a:pPr marL="0" indent="0" algn="ctr">
+              <a:buNone/>
+            </a:pPr>
+            <a:r>
+              <a:rPr lang="en-US" dirty="0"/>
+              <a:t> </a:t>
+            </a:r>
+            <a:r>
+              <a:rPr lang="en-US" sz="4000" dirty="0">
                 <a:hlinkClick r:id="rId3"/>
               </a:rPr>
               <a:t>https://github.com/edirgarcia/ml_net_lab</a:t>
             </a:r>
+            <a:endParaRPr lang="en-US" sz="4000" dirty="0"/>
+          </a:p>
+          <a:p>
+            <a:pPr algn="ctr"/>
             <a:endParaRPr lang="en-US" dirty="0"/>
           </a:p>
           <a:p>
+            <a:pPr marL="0" indent="0" algn="ctr">
+              <a:buNone/>
+            </a:pPr>
+            <a:r>
+              <a:rPr lang="en-US" dirty="0"/>
+              <a:t>(Maybe you still have time)</a:t>
+            </a:r>
+          </a:p>
+          <a:p>
             <a:endParaRPr lang="en-US" dirty="0"/>
-          </a:p>
-          <a:p>
-            <a:r>
-              <a:rPr lang="en-US" dirty="0"/>
-              <a:t>Important Note: The C# Lab only works on SDK 3.1.103, there’s issues with newer versions, I have let them know: </a:t>
-            </a:r>
-            <a:r>
-              <a:rPr lang="en-US" dirty="0">
-                <a:hlinkClick r:id="rId4"/>
-              </a:rPr>
-              <a:t>https://github.com/dotnet/try/issues/844</a:t>
-            </a:r>
-            <a:r>
-              <a:rPr lang="en-US" dirty="0"/>
-              <a:t> </a:t>
-            </a:r>
           </a:p>
         </p:txBody>
       </p:sp>
@@ -5155,6 +5171,33 @@
               </a:rPr>
               <a:t>F#</a:t>
             </a:r>
+          </a:p>
+          <a:p>
+            <a:r>
+              <a:rPr lang="en-US" sz="3200" dirty="0" err="1">
+                <a:solidFill>
+                  <a:srgbClr val="000000"/>
+                </a:solidFill>
+              </a:rPr>
+              <a:t>Powershell</a:t>
+            </a:r>
+            <a:r>
+              <a:rPr lang="en-US" sz="3200" dirty="0">
+                <a:solidFill>
+                  <a:srgbClr val="000000"/>
+                </a:solidFill>
+              </a:rPr>
+              <a:t> </a:t>
+            </a:r>
+            <a:r>
+              <a:rPr lang="en-US" dirty="0"/>
+              <a:t>😲</a:t>
+            </a:r>
+            <a:endParaRPr lang="en-US" sz="3200" dirty="0">
+              <a:solidFill>
+                <a:srgbClr val="000000"/>
+              </a:solidFill>
+            </a:endParaRPr>
           </a:p>
           <a:p>
             <a:r>

--- a/really-simple-ml-net.pptx
+++ b/really-simple-ml-net.pptx
@@ -202,7 +202,7 @@
           <a:p>
             <a:fld id="{4B6A4A07-C180-4E5A-B172-79308A58FD04}" type="datetimeFigureOut">
               <a:rPr lang="en-US" smtClean="0"/>
-              <a:t>6/20/2020</a:t>
+              <a:t>6/25/2020</a:t>
             </a:fld>
             <a:endParaRPr lang="en-US"/>
           </a:p>
@@ -712,6 +712,18 @@
           <a:bodyPr/>
           <a:lstStyle/>
           <a:p>
+            <a:endParaRPr lang="en-US" dirty="0"/>
+          </a:p>
+          <a:p>
+            <a:r>
+              <a:rPr lang="en-US" dirty="0"/>
+              <a:t>Like TLC but external, most of our support is shifting to ML.NET</a:t>
+            </a:r>
+          </a:p>
+          <a:p>
+            <a:endParaRPr lang="en-US" dirty="0"/>
+          </a:p>
+          <a:p>
             <a:r>
               <a:rPr lang="en-US" dirty="0"/>
               <a:t>Free, costs no money to use.</a:t>
@@ -757,6 +769,9 @@
               <a:rPr lang="en-US" dirty="0" err="1"/>
               <a:t>AutoML</a:t>
             </a:r>
+            <a:endParaRPr lang="en-US" dirty="0"/>
+          </a:p>
+          <a:p>
             <a:endParaRPr lang="en-US" dirty="0"/>
           </a:p>
         </p:txBody>
@@ -1180,7 +1195,7 @@
           <a:p>
             <a:fld id="{DFE30287-765A-4AB0-BB96-53FA911AEAD1}" type="datetimeFigureOut">
               <a:rPr lang="en-US" smtClean="0"/>
-              <a:t>6/20/2020</a:t>
+              <a:t>6/25/2020</a:t>
             </a:fld>
             <a:endParaRPr lang="en-US"/>
           </a:p>
@@ -1378,7 +1393,7 @@
           <a:p>
             <a:fld id="{DFE30287-765A-4AB0-BB96-53FA911AEAD1}" type="datetimeFigureOut">
               <a:rPr lang="en-US" smtClean="0"/>
-              <a:t>6/20/2020</a:t>
+              <a:t>6/25/2020</a:t>
             </a:fld>
             <a:endParaRPr lang="en-US"/>
           </a:p>
@@ -1586,7 +1601,7 @@
           <a:p>
             <a:fld id="{DFE30287-765A-4AB0-BB96-53FA911AEAD1}" type="datetimeFigureOut">
               <a:rPr lang="en-US" smtClean="0"/>
-              <a:t>6/20/2020</a:t>
+              <a:t>6/25/2020</a:t>
             </a:fld>
             <a:endParaRPr lang="en-US"/>
           </a:p>
@@ -1784,7 +1799,7 @@
           <a:p>
             <a:fld id="{DFE30287-765A-4AB0-BB96-53FA911AEAD1}" type="datetimeFigureOut">
               <a:rPr lang="en-US" smtClean="0"/>
-              <a:t>6/20/2020</a:t>
+              <a:t>6/25/2020</a:t>
             </a:fld>
             <a:endParaRPr lang="en-US"/>
           </a:p>
@@ -2059,7 +2074,7 @@
           <a:p>
             <a:fld id="{DFE30287-765A-4AB0-BB96-53FA911AEAD1}" type="datetimeFigureOut">
               <a:rPr lang="en-US" smtClean="0"/>
-              <a:t>6/20/2020</a:t>
+              <a:t>6/25/2020</a:t>
             </a:fld>
             <a:endParaRPr lang="en-US"/>
           </a:p>
@@ -2324,7 +2339,7 @@
           <a:p>
             <a:fld id="{DFE30287-765A-4AB0-BB96-53FA911AEAD1}" type="datetimeFigureOut">
               <a:rPr lang="en-US" smtClean="0"/>
-              <a:t>6/20/2020</a:t>
+              <a:t>6/25/2020</a:t>
             </a:fld>
             <a:endParaRPr lang="en-US"/>
           </a:p>
@@ -2736,7 +2751,7 @@
           <a:p>
             <a:fld id="{DFE30287-765A-4AB0-BB96-53FA911AEAD1}" type="datetimeFigureOut">
               <a:rPr lang="en-US" smtClean="0"/>
-              <a:t>6/20/2020</a:t>
+              <a:t>6/25/2020</a:t>
             </a:fld>
             <a:endParaRPr lang="en-US"/>
           </a:p>
@@ -2877,7 +2892,7 @@
           <a:p>
             <a:fld id="{DFE30287-765A-4AB0-BB96-53FA911AEAD1}" type="datetimeFigureOut">
               <a:rPr lang="en-US" smtClean="0"/>
-              <a:t>6/20/2020</a:t>
+              <a:t>6/25/2020</a:t>
             </a:fld>
             <a:endParaRPr lang="en-US"/>
           </a:p>
@@ -2990,7 +3005,7 @@
           <a:p>
             <a:fld id="{DFE30287-765A-4AB0-BB96-53FA911AEAD1}" type="datetimeFigureOut">
               <a:rPr lang="en-US" smtClean="0"/>
-              <a:t>6/20/2020</a:t>
+              <a:t>6/25/2020</a:t>
             </a:fld>
             <a:endParaRPr lang="en-US"/>
           </a:p>
@@ -3301,7 +3316,7 @@
           <a:p>
             <a:fld id="{DFE30287-765A-4AB0-BB96-53FA911AEAD1}" type="datetimeFigureOut">
               <a:rPr lang="en-US" smtClean="0"/>
-              <a:t>6/20/2020</a:t>
+              <a:t>6/25/2020</a:t>
             </a:fld>
             <a:endParaRPr lang="en-US"/>
           </a:p>
@@ -3589,7 +3604,7 @@
           <a:p>
             <a:fld id="{DFE30287-765A-4AB0-BB96-53FA911AEAD1}" type="datetimeFigureOut">
               <a:rPr lang="en-US" smtClean="0"/>
-              <a:t>6/20/2020</a:t>
+              <a:t>6/25/2020</a:t>
             </a:fld>
             <a:endParaRPr lang="en-US"/>
           </a:p>
@@ -3830,7 +3845,7 @@
           <a:p>
             <a:fld id="{DFE30287-765A-4AB0-BB96-53FA911AEAD1}" type="datetimeFigureOut">
               <a:rPr lang="en-US" smtClean="0"/>
-              <a:t>6/20/2020</a:t>
+              <a:t>6/25/2020</a:t>
             </a:fld>
             <a:endParaRPr lang="en-US"/>
           </a:p>

--- a/really-simple-ml-net.pptx
+++ b/really-simple-ml-net.pptx
@@ -5,15 +5,16 @@
     <p:sldMasterId id="2147483648" r:id="rId1"/>
   </p:sldMasterIdLst>
   <p:notesMasterIdLst>
-    <p:notesMasterId r:id="rId8"/>
+    <p:notesMasterId r:id="rId9"/>
   </p:notesMasterIdLst>
   <p:sldIdLst>
     <p:sldId id="256" r:id="rId2"/>
     <p:sldId id="260" r:id="rId3"/>
-    <p:sldId id="257" r:id="rId4"/>
-    <p:sldId id="258" r:id="rId5"/>
-    <p:sldId id="259" r:id="rId6"/>
-    <p:sldId id="261" r:id="rId7"/>
+    <p:sldId id="263" r:id="rId4"/>
+    <p:sldId id="257" r:id="rId5"/>
+    <p:sldId id="258" r:id="rId6"/>
+    <p:sldId id="259" r:id="rId7"/>
+    <p:sldId id="261" r:id="rId8"/>
   </p:sldIdLst>
   <p:sldSz cx="12192000" cy="6858000"/>
   <p:notesSz cx="6858000" cy="9144000"/>
@@ -202,7 +203,7 @@
           <a:p>
             <a:fld id="{4B6A4A07-C180-4E5A-B172-79308A58FD04}" type="datetimeFigureOut">
               <a:rPr lang="en-US" smtClean="0"/>
-              <a:t>6/25/2020</a:t>
+              <a:t>10/31/2020</a:t>
             </a:fld>
             <a:endParaRPr lang="en-US"/>
           </a:p>
@@ -712,67 +713,35 @@
           <a:bodyPr/>
           <a:lstStyle/>
           <a:p>
+            <a:r>
+              <a:rPr lang="en-US" dirty="0"/>
+              <a:t>If you want to do the follow-along section</a:t>
+            </a:r>
+          </a:p>
+          <a:p>
             <a:endParaRPr lang="en-US" dirty="0"/>
           </a:p>
           <a:p>
             <a:r>
               <a:rPr lang="en-US" dirty="0"/>
-              <a:t>Like TLC but external, most of our support is shifting to ML.NET</a:t>
-            </a:r>
-          </a:p>
-          <a:p>
-            <a:endParaRPr lang="en-US" dirty="0"/>
-          </a:p>
-          <a:p>
-            <a:r>
-              <a:rPr lang="en-US" dirty="0"/>
-              <a:t>Free, costs no money to use.</a:t>
-            </a:r>
-          </a:p>
-          <a:p>
-            <a:r>
-              <a:rPr lang="en-US" dirty="0"/>
-              <a:t>Open Source </a:t>
-            </a:r>
+              <a:t>When testing for all of this I bumped into this:</a:t>
+            </a:r>
+          </a:p>
+          <a:p>
+            <a:pPr marL="171450" indent="-171450">
+              <a:buFont typeface="Arial" panose="020B0604020202020204" pitchFamily="34" charset="0"/>
+              <a:buChar char="•"/>
+            </a:pPr>
             <a:r>
               <a:rPr lang="en-US" dirty="0">
                 <a:hlinkClick r:id="rId3"/>
               </a:rPr>
-              <a:t>https://github.com/dotnet/machinelearning</a:t>
-            </a:r>
-            <a:endParaRPr lang="en-US" dirty="0"/>
-          </a:p>
-          <a:p>
+              <a:t>https://github.com/dotnet/try/issues/844</a:t>
+            </a:r>
             <a:r>
               <a:rPr lang="en-US" dirty="0"/>
-              <a:t>.NET, both core and framework</a:t>
-            </a:r>
-          </a:p>
-          <a:p>
-            <a:endParaRPr lang="en-US" dirty="0"/>
-          </a:p>
-          <a:p>
-            <a:r>
-              <a:rPr lang="en-US" dirty="0"/>
-              <a:t>You can train and consume</a:t>
-            </a:r>
-          </a:p>
-          <a:p>
-            <a:endParaRPr lang="en-US" dirty="0"/>
-          </a:p>
-          <a:p>
-            <a:r>
-              <a:rPr lang="en-US" dirty="0"/>
-              <a:t>Multiple programming languages, CLI, a really good </a:t>
-            </a:r>
-            <a:r>
-              <a:rPr lang="en-US" dirty="0" err="1"/>
-              <a:t>AutoML</a:t>
-            </a:r>
-            <a:endParaRPr lang="en-US" dirty="0"/>
-          </a:p>
-          <a:p>
-            <a:endParaRPr lang="en-US" dirty="0"/>
+              <a:t> so please install 3.1.103</a:t>
+            </a:r>
           </a:p>
         </p:txBody>
       </p:sp>
@@ -802,7 +771,7 @@
     </p:spTree>
     <p:extLst>
       <p:ext uri="{BB962C8B-B14F-4D97-AF65-F5344CB8AC3E}">
-        <p14:creationId xmlns:p14="http://schemas.microsoft.com/office/powerpoint/2010/main" val="1354629909"/>
+        <p14:creationId xmlns:p14="http://schemas.microsoft.com/office/powerpoint/2010/main" val="4050091773"/>
       </p:ext>
     </p:extLst>
   </p:cSld>
@@ -856,51 +825,66 @@
           <a:bodyPr/>
           <a:lstStyle/>
           <a:p>
-            <a:r>
-              <a:rPr lang="en-US" sz="1200" b="0" i="0" kern="1200" dirty="0">
-                <a:solidFill>
-                  <a:schemeClr val="tx1"/>
-                </a:solidFill>
-                <a:effectLst/>
-                <a:latin typeface="+mn-lt"/>
-                <a:ea typeface="+mn-ea"/>
-                <a:cs typeface="+mn-cs"/>
-              </a:rPr>
-              <a:t>Using a 9GB Amazon review data set, ML.NET trained a sentiment analysis model with 95% accuracy</a:t>
-            </a:r>
-          </a:p>
-          <a:p>
-            <a:endParaRPr lang="en-US" sz="1200" b="0" i="0" kern="1200" dirty="0">
-              <a:solidFill>
-                <a:schemeClr val="tx1"/>
-              </a:solidFill>
-              <a:effectLst/>
-              <a:latin typeface="+mn-lt"/>
-              <a:ea typeface="+mn-ea"/>
-              <a:cs typeface="+mn-cs"/>
-            </a:endParaRPr>
-          </a:p>
-          <a:p>
-            <a:r>
-              <a:rPr lang="en-US" sz="1200" b="0" i="0" kern="1200" dirty="0">
-                <a:solidFill>
-                  <a:schemeClr val="tx1"/>
-                </a:solidFill>
-                <a:effectLst/>
-                <a:latin typeface="+mn-lt"/>
-                <a:ea typeface="+mn-ea"/>
-                <a:cs typeface="+mn-cs"/>
-              </a:rPr>
-              <a:t>Paper from a bunch of people over at MS Artificial Intelligence Platform team</a:t>
-            </a:r>
-          </a:p>
-          <a:p>
+            <a:endParaRPr lang="en-US" dirty="0"/>
+          </a:p>
+          <a:p>
+            <a:r>
+              <a:rPr lang="en-US" dirty="0"/>
+              <a:t>Like TLC but external, most of our support is shifting to ML.NET</a:t>
+            </a:r>
+          </a:p>
+          <a:p>
+            <a:endParaRPr lang="en-US" dirty="0"/>
+          </a:p>
+          <a:p>
+            <a:r>
+              <a:rPr lang="en-US" dirty="0"/>
+              <a:t>Free, costs no money to use.</a:t>
+            </a:r>
+          </a:p>
+          <a:p>
+            <a:r>
+              <a:rPr lang="en-US" dirty="0"/>
+              <a:t>Open Source </a:t>
+            </a:r>
             <a:r>
               <a:rPr lang="en-US" dirty="0">
                 <a:hlinkClick r:id="rId3"/>
               </a:rPr>
-              <a:t>https://arxiv.org/pdf/1905.05715.pdf</a:t>
-            </a:r>
+              <a:t>https://github.com/dotnet/machinelearning</a:t>
+            </a:r>
+            <a:endParaRPr lang="en-US" dirty="0"/>
+          </a:p>
+          <a:p>
+            <a:r>
+              <a:rPr lang="en-US" dirty="0"/>
+              <a:t>.NET, both core and framework</a:t>
+            </a:r>
+          </a:p>
+          <a:p>
+            <a:endParaRPr lang="en-US" dirty="0"/>
+          </a:p>
+          <a:p>
+            <a:r>
+              <a:rPr lang="en-US" dirty="0"/>
+              <a:t>You can train and consume</a:t>
+            </a:r>
+          </a:p>
+          <a:p>
+            <a:endParaRPr lang="en-US" dirty="0"/>
+          </a:p>
+          <a:p>
+            <a:r>
+              <a:rPr lang="en-US" dirty="0"/>
+              <a:t>Multiple programming languages, CLI, a really good </a:t>
+            </a:r>
+            <a:r>
+              <a:rPr lang="en-US" dirty="0" err="1"/>
+              <a:t>AutoML</a:t>
+            </a:r>
+            <a:endParaRPr lang="en-US" dirty="0"/>
+          </a:p>
+          <a:p>
             <a:endParaRPr lang="en-US" dirty="0"/>
           </a:p>
         </p:txBody>
@@ -922,7 +906,7 @@
           <a:p>
             <a:fld id="{94B125EF-FAA7-4CAC-93C1-0FA6D1B400EA}" type="slidenum">
               <a:rPr lang="en-US" smtClean="0"/>
-              <a:t>5</a:t>
+              <a:t>4</a:t>
             </a:fld>
             <a:endParaRPr lang="en-US"/>
           </a:p>
@@ -931,7 +915,7 @@
     </p:spTree>
     <p:extLst>
       <p:ext uri="{BB962C8B-B14F-4D97-AF65-F5344CB8AC3E}">
-        <p14:creationId xmlns:p14="http://schemas.microsoft.com/office/powerpoint/2010/main" val="3988066951"/>
+        <p14:creationId xmlns:p14="http://schemas.microsoft.com/office/powerpoint/2010/main" val="1354629909"/>
       </p:ext>
     </p:extLst>
   </p:cSld>
@@ -986,6 +970,135 @@
           <a:lstStyle/>
           <a:p>
             <a:r>
+              <a:rPr lang="en-US" sz="1200" b="0" i="0" kern="1200" dirty="0">
+                <a:solidFill>
+                  <a:schemeClr val="tx1"/>
+                </a:solidFill>
+                <a:effectLst/>
+                <a:latin typeface="+mn-lt"/>
+                <a:ea typeface="+mn-ea"/>
+                <a:cs typeface="+mn-cs"/>
+              </a:rPr>
+              <a:t>Using a 9GB Amazon review data set, ML.NET trained a sentiment analysis model with 95% accuracy</a:t>
+            </a:r>
+          </a:p>
+          <a:p>
+            <a:endParaRPr lang="en-US" sz="1200" b="0" i="0" kern="1200" dirty="0">
+              <a:solidFill>
+                <a:schemeClr val="tx1"/>
+              </a:solidFill>
+              <a:effectLst/>
+              <a:latin typeface="+mn-lt"/>
+              <a:ea typeface="+mn-ea"/>
+              <a:cs typeface="+mn-cs"/>
+            </a:endParaRPr>
+          </a:p>
+          <a:p>
+            <a:r>
+              <a:rPr lang="en-US" sz="1200" b="0" i="0" kern="1200" dirty="0">
+                <a:solidFill>
+                  <a:schemeClr val="tx1"/>
+                </a:solidFill>
+                <a:effectLst/>
+                <a:latin typeface="+mn-lt"/>
+                <a:ea typeface="+mn-ea"/>
+                <a:cs typeface="+mn-cs"/>
+              </a:rPr>
+              <a:t>Paper from a bunch of people over at MS Artificial Intelligence Platform team</a:t>
+            </a:r>
+          </a:p>
+          <a:p>
+            <a:r>
+              <a:rPr lang="en-US" dirty="0">
+                <a:hlinkClick r:id="rId3"/>
+              </a:rPr>
+              <a:t>https://arxiv.org/pdf/1905.05715.pdf</a:t>
+            </a:r>
+            <a:endParaRPr lang="en-US" dirty="0"/>
+          </a:p>
+        </p:txBody>
+      </p:sp>
+      <p:sp>
+        <p:nvSpPr>
+          <p:cNvPr id="4" name="Slide Number Placeholder 3"/>
+          <p:cNvSpPr>
+            <a:spLocks noGrp="1"/>
+          </p:cNvSpPr>
+          <p:nvPr>
+            <p:ph type="sldNum" sz="quarter" idx="5"/>
+          </p:nvPr>
+        </p:nvSpPr>
+        <p:spPr/>
+        <p:txBody>
+          <a:bodyPr/>
+          <a:lstStyle/>
+          <a:p>
+            <a:fld id="{94B125EF-FAA7-4CAC-93C1-0FA6D1B400EA}" type="slidenum">
+              <a:rPr lang="en-US" smtClean="0"/>
+              <a:t>6</a:t>
+            </a:fld>
+            <a:endParaRPr lang="en-US"/>
+          </a:p>
+        </p:txBody>
+      </p:sp>
+    </p:spTree>
+    <p:extLst>
+      <p:ext uri="{BB962C8B-B14F-4D97-AF65-F5344CB8AC3E}">
+        <p14:creationId xmlns:p14="http://schemas.microsoft.com/office/powerpoint/2010/main" val="3988066951"/>
+      </p:ext>
+    </p:extLst>
+  </p:cSld>
+  <p:clrMapOvr>
+    <a:masterClrMapping/>
+  </p:clrMapOvr>
+</p:notes>
+</file>
+
+<file path=ppt/notesSlides/notesSlide6.xml><?xml version="1.0" encoding="utf-8"?>
+<p:notes xmlns:a="http://schemas.openxmlformats.org/drawingml/2006/main" xmlns:r="http://schemas.openxmlformats.org/officeDocument/2006/relationships" xmlns:p="http://schemas.openxmlformats.org/presentationml/2006/main">
+  <p:cSld>
+    <p:spTree>
+      <p:nvGrpSpPr>
+        <p:cNvPr id="1" name=""/>
+        <p:cNvGrpSpPr/>
+        <p:nvPr/>
+      </p:nvGrpSpPr>
+      <p:grpSpPr>
+        <a:xfrm>
+          <a:off x="0" y="0"/>
+          <a:ext cx="0" cy="0"/>
+          <a:chOff x="0" y="0"/>
+          <a:chExt cx="0" cy="0"/>
+        </a:xfrm>
+      </p:grpSpPr>
+      <p:sp>
+        <p:nvSpPr>
+          <p:cNvPr id="2" name="Slide Image Placeholder 1"/>
+          <p:cNvSpPr>
+            <a:spLocks noGrp="1" noRot="1" noChangeAspect="1"/>
+          </p:cNvSpPr>
+          <p:nvPr>
+            <p:ph type="sldImg"/>
+          </p:nvPr>
+        </p:nvSpPr>
+        <p:spPr/>
+      </p:sp>
+      <p:sp>
+        <p:nvSpPr>
+          <p:cNvPr id="3" name="Notes Placeholder 2"/>
+          <p:cNvSpPr>
+            <a:spLocks noGrp="1"/>
+          </p:cNvSpPr>
+          <p:nvPr>
+            <p:ph type="body" idx="1"/>
+          </p:nvPr>
+        </p:nvSpPr>
+        <p:spPr/>
+        <p:txBody>
+          <a:bodyPr/>
+          <a:lstStyle/>
+          <a:p>
+            <a:r>
               <a:rPr lang="en-US" dirty="0">
                 <a:hlinkClick r:id="rId3"/>
               </a:rPr>
@@ -1029,7 +1142,7 @@
           <a:p>
             <a:fld id="{94B125EF-FAA7-4CAC-93C1-0FA6D1B400EA}" type="slidenum">
               <a:rPr lang="en-US" smtClean="0"/>
-              <a:t>6</a:t>
+              <a:t>7</a:t>
             </a:fld>
             <a:endParaRPr lang="en-US"/>
           </a:p>
@@ -1195,7 +1308,7 @@
           <a:p>
             <a:fld id="{DFE30287-765A-4AB0-BB96-53FA911AEAD1}" type="datetimeFigureOut">
               <a:rPr lang="en-US" smtClean="0"/>
-              <a:t>6/25/2020</a:t>
+              <a:t>10/31/2020</a:t>
             </a:fld>
             <a:endParaRPr lang="en-US"/>
           </a:p>
@@ -1393,7 +1506,7 @@
           <a:p>
             <a:fld id="{DFE30287-765A-4AB0-BB96-53FA911AEAD1}" type="datetimeFigureOut">
               <a:rPr lang="en-US" smtClean="0"/>
-              <a:t>6/25/2020</a:t>
+              <a:t>10/31/2020</a:t>
             </a:fld>
             <a:endParaRPr lang="en-US"/>
           </a:p>
@@ -1601,7 +1714,7 @@
           <a:p>
             <a:fld id="{DFE30287-765A-4AB0-BB96-53FA911AEAD1}" type="datetimeFigureOut">
               <a:rPr lang="en-US" smtClean="0"/>
-              <a:t>6/25/2020</a:t>
+              <a:t>10/31/2020</a:t>
             </a:fld>
             <a:endParaRPr lang="en-US"/>
           </a:p>
@@ -1799,7 +1912,7 @@
           <a:p>
             <a:fld id="{DFE30287-765A-4AB0-BB96-53FA911AEAD1}" type="datetimeFigureOut">
               <a:rPr lang="en-US" smtClean="0"/>
-              <a:t>6/25/2020</a:t>
+              <a:t>10/31/2020</a:t>
             </a:fld>
             <a:endParaRPr lang="en-US"/>
           </a:p>
@@ -2074,7 +2187,7 @@
           <a:p>
             <a:fld id="{DFE30287-765A-4AB0-BB96-53FA911AEAD1}" type="datetimeFigureOut">
               <a:rPr lang="en-US" smtClean="0"/>
-              <a:t>6/25/2020</a:t>
+              <a:t>10/31/2020</a:t>
             </a:fld>
             <a:endParaRPr lang="en-US"/>
           </a:p>
@@ -2339,7 +2452,7 @@
           <a:p>
             <a:fld id="{DFE30287-765A-4AB0-BB96-53FA911AEAD1}" type="datetimeFigureOut">
               <a:rPr lang="en-US" smtClean="0"/>
-              <a:t>6/25/2020</a:t>
+              <a:t>10/31/2020</a:t>
             </a:fld>
             <a:endParaRPr lang="en-US"/>
           </a:p>
@@ -2751,7 +2864,7 @@
           <a:p>
             <a:fld id="{DFE30287-765A-4AB0-BB96-53FA911AEAD1}" type="datetimeFigureOut">
               <a:rPr lang="en-US" smtClean="0"/>
-              <a:t>6/25/2020</a:t>
+              <a:t>10/31/2020</a:t>
             </a:fld>
             <a:endParaRPr lang="en-US"/>
           </a:p>
@@ -2892,7 +3005,7 @@
           <a:p>
             <a:fld id="{DFE30287-765A-4AB0-BB96-53FA911AEAD1}" type="datetimeFigureOut">
               <a:rPr lang="en-US" smtClean="0"/>
-              <a:t>6/25/2020</a:t>
+              <a:t>10/31/2020</a:t>
             </a:fld>
             <a:endParaRPr lang="en-US"/>
           </a:p>
@@ -3005,7 +3118,7 @@
           <a:p>
             <a:fld id="{DFE30287-765A-4AB0-BB96-53FA911AEAD1}" type="datetimeFigureOut">
               <a:rPr lang="en-US" smtClean="0"/>
-              <a:t>6/25/2020</a:t>
+              <a:t>10/31/2020</a:t>
             </a:fld>
             <a:endParaRPr lang="en-US"/>
           </a:p>
@@ -3316,7 +3429,7 @@
           <a:p>
             <a:fld id="{DFE30287-765A-4AB0-BB96-53FA911AEAD1}" type="datetimeFigureOut">
               <a:rPr lang="en-US" smtClean="0"/>
-              <a:t>6/25/2020</a:t>
+              <a:t>10/31/2020</a:t>
             </a:fld>
             <a:endParaRPr lang="en-US"/>
           </a:p>
@@ -3604,7 +3717,7 @@
           <a:p>
             <a:fld id="{DFE30287-765A-4AB0-BB96-53FA911AEAD1}" type="datetimeFigureOut">
               <a:rPr lang="en-US" smtClean="0"/>
-              <a:t>6/25/2020</a:t>
+              <a:t>10/31/2020</a:t>
             </a:fld>
             <a:endParaRPr lang="en-US"/>
           </a:p>
@@ -3845,7 +3958,7 @@
           <a:p>
             <a:fld id="{DFE30287-765A-4AB0-BB96-53FA911AEAD1}" type="datetimeFigureOut">
               <a:rPr lang="en-US" smtClean="0"/>
-              <a:t>6/25/2020</a:t>
+              <a:t>10/31/2020</a:t>
             </a:fld>
             <a:endParaRPr lang="en-US"/>
           </a:p>
@@ -4319,7 +4432,7 @@
           <a:p>
             <a:r>
               <a:rPr lang="en-US" dirty="0"/>
-              <a:t>Edir Garcia</a:t>
+              <a:t>Edir Garcia Lazo</a:t>
             </a:r>
           </a:p>
         </p:txBody>
@@ -4416,7 +4529,7 @@
             </a:pPr>
             <a:r>
               <a:rPr lang="en-US" dirty="0"/>
-              <a:t>Do the Setup Instructions from the GitHub:</a:t>
+              <a:t>Do the Setup Instructions from GitHub:</a:t>
             </a:r>
           </a:p>
           <a:p>
@@ -4451,7 +4564,7 @@
             </a:pPr>
             <a:r>
               <a:rPr lang="en-US" dirty="0"/>
-              <a:t>(Maybe you still have time)</a:t>
+              <a:t>(You still have time)</a:t>
             </a:r>
           </a:p>
           <a:p>
@@ -4473,6 +4586,183 @@
 </file>
 
 <file path=ppt/slides/slide3.xml><?xml version="1.0" encoding="utf-8"?>
+<p:sld xmlns:a="http://schemas.openxmlformats.org/drawingml/2006/main" xmlns:r="http://schemas.openxmlformats.org/officeDocument/2006/relationships" xmlns:p="http://schemas.openxmlformats.org/presentationml/2006/main">
+  <p:cSld>
+    <p:spTree>
+      <p:nvGrpSpPr>
+        <p:cNvPr id="1" name=""/>
+        <p:cNvGrpSpPr/>
+        <p:nvPr/>
+      </p:nvGrpSpPr>
+      <p:grpSpPr>
+        <a:xfrm>
+          <a:off x="0" y="0"/>
+          <a:ext cx="0" cy="0"/>
+          <a:chOff x="0" y="0"/>
+          <a:chExt cx="0" cy="0"/>
+        </a:xfrm>
+      </p:grpSpPr>
+      <p:sp>
+        <p:nvSpPr>
+          <p:cNvPr id="2" name="Title 1">
+            <a:extLst>
+              <a:ext uri="{FF2B5EF4-FFF2-40B4-BE49-F238E27FC236}">
+                <a16:creationId xmlns:a16="http://schemas.microsoft.com/office/drawing/2014/main" id="{3BD1CCE4-9942-4B5D-8AFD-EBA41F4C7539}"/>
+              </a:ext>
+            </a:extLst>
+          </p:cNvPr>
+          <p:cNvSpPr>
+            <a:spLocks noGrp="1"/>
+          </p:cNvSpPr>
+          <p:nvPr>
+            <p:ph type="title"/>
+          </p:nvPr>
+        </p:nvSpPr>
+        <p:spPr/>
+        <p:txBody>
+          <a:bodyPr/>
+          <a:lstStyle/>
+          <a:p>
+            <a:pPr algn="ctr"/>
+            <a:r>
+              <a:rPr lang="en-US" dirty="0"/>
+              <a:t>Also…</a:t>
+            </a:r>
+          </a:p>
+        </p:txBody>
+      </p:sp>
+      <p:sp>
+        <p:nvSpPr>
+          <p:cNvPr id="3" name="Content Placeholder 2">
+            <a:extLst>
+              <a:ext uri="{FF2B5EF4-FFF2-40B4-BE49-F238E27FC236}">
+                <a16:creationId xmlns:a16="http://schemas.microsoft.com/office/drawing/2014/main" id="{E6FD006E-9F50-472F-803E-5A17A4848D94}"/>
+              </a:ext>
+            </a:extLst>
+          </p:cNvPr>
+          <p:cNvSpPr>
+            <a:spLocks noGrp="1"/>
+          </p:cNvSpPr>
+          <p:nvPr>
+            <p:ph idx="1"/>
+          </p:nvPr>
+        </p:nvSpPr>
+        <p:spPr>
+          <a:xfrm>
+            <a:off x="587230" y="1825625"/>
+            <a:ext cx="10679186" cy="4351338"/>
+          </a:xfrm>
+        </p:spPr>
+        <p:txBody>
+          <a:bodyPr>
+            <a:normAutofit/>
+          </a:bodyPr>
+          <a:lstStyle/>
+          <a:p>
+            <a:pPr marL="0" indent="0" algn="ctr">
+              <a:buNone/>
+            </a:pPr>
+            <a:r>
+              <a:rPr lang="en-US" dirty="0"/>
+              <a:t>This time we’re an FHL, please register</a:t>
+            </a:r>
+          </a:p>
+          <a:p>
+            <a:pPr marL="0" indent="0" algn="ctr">
+              <a:buNone/>
+            </a:pPr>
+            <a:endParaRPr lang="en-US" dirty="0"/>
+          </a:p>
+          <a:p>
+            <a:pPr marL="0" indent="0" algn="ctr">
+              <a:buNone/>
+            </a:pPr>
+            <a:r>
+              <a:rPr lang="en-US" sz="2400" b="0" i="0" dirty="0">
+                <a:effectLst/>
+                <a:latin typeface="Segoe UI" panose="020B0502040204020203" pitchFamily="34" charset="0"/>
+                <a:hlinkClick r:id="rId3" tooltip="https://garagehackbox.azurewebsites.net/hackathons/2114/details/general"/>
+              </a:rPr>
+              <a:t>https://garagehackbox.azurewebsites.net/hackathons/2114/details/general</a:t>
+            </a:r>
+            <a:endParaRPr lang="en-US" sz="2400" b="0" i="0" dirty="0">
+              <a:effectLst/>
+              <a:latin typeface="Segoe UI" panose="020B0502040204020203" pitchFamily="34" charset="0"/>
+            </a:endParaRPr>
+          </a:p>
+          <a:p>
+            <a:pPr algn="ctr"/>
+            <a:endParaRPr lang="en-US" dirty="0"/>
+          </a:p>
+          <a:p>
+            <a:pPr marL="0" indent="0" algn="ctr">
+              <a:buNone/>
+            </a:pPr>
+            <a:r>
+              <a:rPr lang="en-US" dirty="0"/>
+              <a:t>and S+C AI Community Event</a:t>
+            </a:r>
+          </a:p>
+          <a:p>
+            <a:pPr marL="0" indent="0" algn="ctr">
+              <a:buNone/>
+            </a:pPr>
+            <a:endParaRPr lang="en-US" dirty="0"/>
+          </a:p>
+          <a:p>
+            <a:pPr marL="0" indent="0" algn="ctr">
+              <a:buNone/>
+            </a:pPr>
+            <a:r>
+              <a:rPr lang="en-US" b="0" i="1" dirty="0">
+                <a:solidFill>
+                  <a:srgbClr val="FFFFFF"/>
+                </a:solidFill>
+                <a:effectLst/>
+                <a:latin typeface="Segoe UI" panose="020B0502040204020203" pitchFamily="34" charset="0"/>
+              </a:rPr>
+              <a:t> </a:t>
+            </a:r>
+            <a:r>
+              <a:rPr lang="en-US" b="0" u="sng" dirty="0">
+                <a:solidFill>
+                  <a:srgbClr val="A6A7DC"/>
+                </a:solidFill>
+                <a:effectLst/>
+                <a:latin typeface="Segoe UI" panose="020B0502040204020203" pitchFamily="34" charset="0"/>
+                <a:hlinkClick r:id="rId4" tooltip="https://nam06.safelinks.protection.outlook.com/?url=https%3a%2f%2faka.ms%2fscaicommunity&amp;data=04%7c01%7cedirga%40microsoft.com%7cc5a592fb0a864fbde3f908d87b513dfe%7c72f988bf86f141af91ab2d7cd011db47%7c1%7c0%7c637394936662039942%7cunknown%7ctwfpbgzsb3d8eyjwijoimc4wljawmdailcjqijoiv2lumziilcjbtii6ik1hawwilcjxvci6mn0%3d%7c1000&amp;sdata=k4stsugxbdp2m7v80zcpakonqhk%2fow8qw4sb7bulye8%3d&amp;reserved=0"/>
+              </a:rPr>
+              <a:t>aka.ms/</a:t>
+            </a:r>
+            <a:r>
+              <a:rPr lang="en-US" b="0" u="sng" dirty="0" err="1">
+                <a:solidFill>
+                  <a:srgbClr val="A6A7DC"/>
+                </a:solidFill>
+                <a:effectLst/>
+                <a:latin typeface="Segoe UI" panose="020B0502040204020203" pitchFamily="34" charset="0"/>
+                <a:hlinkClick r:id="rId4" tooltip="https://nam06.safelinks.protection.outlook.com/?url=https%3a%2f%2faka.ms%2fscaicommunity&amp;data=04%7c01%7cedirga%40microsoft.com%7cc5a592fb0a864fbde3f908d87b513dfe%7c72f988bf86f141af91ab2d7cd011db47%7c1%7c0%7c637394936662039942%7cunknown%7ctwfpbgzsb3d8eyjwijoimc4wljawmdailcjqijoiv2lumziilcjbtii6ik1hawwilcjxvci6mn0%3d%7c1000&amp;sdata=k4stsugxbdp2m7v80zcpakonqhk%2fow8qw4sb7bulye8%3d&amp;reserved=0"/>
+              </a:rPr>
+              <a:t>scaicommunity</a:t>
+            </a:r>
+            <a:endParaRPr lang="en-US" dirty="0"/>
+          </a:p>
+        </p:txBody>
+      </p:sp>
+    </p:spTree>
+    <p:extLst>
+      <p:ext uri="{BB962C8B-B14F-4D97-AF65-F5344CB8AC3E}">
+        <p14:creationId xmlns:p14="http://schemas.microsoft.com/office/powerpoint/2010/main" val="1335013413"/>
+      </p:ext>
+    </p:extLst>
+  </p:cSld>
+  <p:clrMapOvr>
+    <a:masterClrMapping/>
+  </p:clrMapOvr>
+</p:sld>
+</file>
+
+<file path=ppt/slides/slide4.xml><?xml version="1.0" encoding="utf-8"?>
 <p:sld xmlns:a="http://schemas.openxmlformats.org/drawingml/2006/main" xmlns:r="http://schemas.openxmlformats.org/officeDocument/2006/relationships" xmlns:p="http://schemas.openxmlformats.org/presentationml/2006/main">
   <p:cSld>
     <p:bg>
@@ -4886,7 +5176,7 @@
 </p:sld>
 </file>
 
-<file path=ppt/slides/slide4.xml><?xml version="1.0" encoding="utf-8"?>
+<file path=ppt/slides/slide5.xml><?xml version="1.0" encoding="utf-8"?>
 <p:sld xmlns:a="http://schemas.openxmlformats.org/drawingml/2006/main" xmlns:r="http://schemas.openxmlformats.org/officeDocument/2006/relationships" xmlns:p="http://schemas.openxmlformats.org/presentationml/2006/main">
   <p:cSld>
     <p:bg>
@@ -5265,7 +5555,7 @@
 </p:sld>
 </file>
 
-<file path=ppt/slides/slide5.xml><?xml version="1.0" encoding="utf-8"?>
+<file path=ppt/slides/slide6.xml><?xml version="1.0" encoding="utf-8"?>
 <p:sld xmlns:a="http://schemas.openxmlformats.org/drawingml/2006/main" xmlns:r="http://schemas.openxmlformats.org/officeDocument/2006/relationships" xmlns:p="http://schemas.openxmlformats.org/presentationml/2006/main">
   <p:cSld>
     <p:bg>
@@ -5635,7 +5925,7 @@
 </p:sld>
 </file>
 
-<file path=ppt/slides/slide6.xml><?xml version="1.0" encoding="utf-8"?>
+<file path=ppt/slides/slide7.xml><?xml version="1.0" encoding="utf-8"?>
 <p:sld xmlns:a="http://schemas.openxmlformats.org/drawingml/2006/main" xmlns:r="http://schemas.openxmlformats.org/officeDocument/2006/relationships" xmlns:p="http://schemas.openxmlformats.org/presentationml/2006/main">
   <p:cSld>
     <p:bg>
